--- a/Covid-19 Executive_Summary.pptx
+++ b/Covid-19 Executive_Summary.pptx
@@ -1,6 +1,6 @@
 
 <file path=ppt/presentation.xml><?xml version="1.0" encoding="utf-8"?>
-<p:presentation xmlns:a="http://schemas.openxmlformats.org/drawingml/2006/main" xmlns:r="http://schemas.openxmlformats.org/officeDocument/2006/relationships" xmlns:mc="http://schemas.openxmlformats.org/markup-compatibility/2006" xmlns:mv="urn:schemas-microsoft-com:mac:vml" xmlns:p="http://schemas.openxmlformats.org/presentationml/2006/main" xmlns:c="http://schemas.openxmlformats.org/drawingml/2006/chart" xmlns:dgm="http://schemas.openxmlformats.org/drawingml/2006/diagram" xmlns:o="urn:schemas-microsoft-com:office:office" xmlns:v="urn:schemas-microsoft-com:vml" xmlns:pvml="urn:schemas-microsoft-com:office:powerpoint" xmlns:com="http://schemas.openxmlformats.org/drawingml/2006/compatibility" xmlns:p14="http://schemas.microsoft.com/office/powerpoint/2010/main" xmlns:p15="http://schemas.microsoft.com/office/powerpoint/2012/main" xmlns:ahyp="http://schemas.microsoft.com/office/drawing/2018/hyperlinkcolor" autoCompressPictures="0" embedTrueTypeFonts="1" strictFirstAndLastChars="0" saveSubsetFonts="1">
+<p:presentation xmlns:a="http://schemas.openxmlformats.org/drawingml/2006/main" xmlns:r="http://schemas.openxmlformats.org/officeDocument/2006/relationships" xmlns:mc="http://schemas.openxmlformats.org/markup-compatibility/2006" xmlns:mv="urn:schemas-microsoft-com:mac:vml" xmlns:p="http://schemas.openxmlformats.org/presentationml/2006/main" xmlns:c="http://schemas.openxmlformats.org/drawingml/2006/chart" xmlns:dgm="http://schemas.openxmlformats.org/drawingml/2006/diagram" xmlns:o="urn:schemas-microsoft-com:office:office" xmlns:v="urn:schemas-microsoft-com:vml" xmlns:pvml="urn:schemas-microsoft-com:office:powerpoint" xmlns:com="http://schemas.openxmlformats.org/drawingml/2006/compatibility" xmlns:p14="http://schemas.microsoft.com/office/powerpoint/2010/main" xmlns:p15="http://schemas.microsoft.com/office/powerpoint/2012/main" xmlns:ahyp="http://schemas.microsoft.com/office/drawing/2018/hyperlinkcolor" autoCompressPictures="0" strictFirstAndLastChars="0" saveSubsetFonts="1">
   <p:sldMasterIdLst>
     <p:sldMasterId id="2147483659" r:id="rId4"/>
   </p:sldMasterIdLst>
@@ -44,27 +44,6 @@
   </p:sldIdLst>
   <p:sldSz cy="5143500" cx="9144000"/>
   <p:notesSz cx="6858000" cy="9144000"/>
-  <p:embeddedFontLst>
-    <p:embeddedFont>
-      <p:font typeface="Nunito"/>
-      <p:regular r:id="rId39"/>
-      <p:bold r:id="rId40"/>
-      <p:italic r:id="rId41"/>
-      <p:boldItalic r:id="rId42"/>
-    </p:embeddedFont>
-    <p:embeddedFont>
-      <p:font typeface="Maven Pro"/>
-      <p:regular r:id="rId43"/>
-      <p:bold r:id="rId44"/>
-    </p:embeddedFont>
-    <p:embeddedFont>
-      <p:font typeface="Merriweather"/>
-      <p:regular r:id="rId45"/>
-      <p:bold r:id="rId46"/>
-      <p:italic r:id="rId47"/>
-      <p:boldItalic r:id="rId48"/>
-    </p:embeddedFont>
-  </p:embeddedFontLst>
   <p:defaultTextStyle>
     <a:defPPr lvl="0" marR="0" rtl="0" algn="l">
       <a:lnSpc>
@@ -1451,7 +1430,7 @@
       </p:grpSpPr>
       <p:sp>
         <p:nvSpPr>
-          <p:cNvPr id="370" name="Google Shape;370;gd97497973e_0_0:notes"/>
+          <p:cNvPr id="370" name="Google Shape;370;ge72af3288f_0_30:notes"/>
           <p:cNvSpPr/>
           <p:nvPr>
             <p:ph idx="2" type="sldImg"/>
@@ -1486,7 +1465,7 @@
       </p:sp>
       <p:sp>
         <p:nvSpPr>
-          <p:cNvPr id="371" name="Google Shape;371;gd97497973e_0_0:notes"/>
+          <p:cNvPr id="371" name="Google Shape;371;ge72af3288f_0_30:notes"/>
           <p:cNvSpPr txBox="1"/>
           <p:nvPr>
             <p:ph idx="1" type="body"/>
@@ -1536,7 +1515,7 @@
   <p:cSld>
     <p:spTree>
       <p:nvGrpSpPr>
-        <p:cNvPr id="375" name="Shape 375"/>
+        <p:cNvPr id="376" name="Shape 376"/>
         <p:cNvGrpSpPr/>
         <p:nvPr/>
       </p:nvGrpSpPr>
@@ -1550,7 +1529,7 @@
       </p:grpSpPr>
       <p:sp>
         <p:nvSpPr>
-          <p:cNvPr id="376" name="Google Shape;376;gd7de786e8c_1_38:notes"/>
+          <p:cNvPr id="377" name="Google Shape;377;ge72af3288f_0_38:notes"/>
           <p:cNvSpPr/>
           <p:nvPr>
             <p:ph idx="2" type="sldImg"/>
@@ -1585,7 +1564,7 @@
       </p:sp>
       <p:sp>
         <p:nvSpPr>
-          <p:cNvPr id="377" name="Google Shape;377;gd7de786e8c_1_38:notes"/>
+          <p:cNvPr id="378" name="Google Shape;378;ge72af3288f_0_38:notes"/>
           <p:cNvSpPr txBox="1"/>
           <p:nvPr>
             <p:ph idx="1" type="body"/>
@@ -1635,7 +1614,7 @@
   <p:cSld>
     <p:spTree>
       <p:nvGrpSpPr>
-        <p:cNvPr id="382" name="Shape 382"/>
+        <p:cNvPr id="383" name="Shape 383"/>
         <p:cNvGrpSpPr/>
         <p:nvPr/>
       </p:nvGrpSpPr>
@@ -1649,7 +1628,7 @@
       </p:grpSpPr>
       <p:sp>
         <p:nvSpPr>
-          <p:cNvPr id="383" name="Google Shape;383;gd7de786e8c_1_44:notes"/>
+          <p:cNvPr id="384" name="Google Shape;384;gd97497973e_0_0:notes"/>
           <p:cNvSpPr/>
           <p:nvPr>
             <p:ph idx="2" type="sldImg"/>
@@ -1684,7 +1663,7 @@
       </p:sp>
       <p:sp>
         <p:nvSpPr>
-          <p:cNvPr id="384" name="Google Shape;384;gd7de786e8c_1_44:notes"/>
+          <p:cNvPr id="385" name="Google Shape;385;gd97497973e_0_0:notes"/>
           <p:cNvSpPr txBox="1"/>
           <p:nvPr>
             <p:ph idx="1" type="body"/>
@@ -1748,7 +1727,7 @@
       </p:grpSpPr>
       <p:sp>
         <p:nvSpPr>
-          <p:cNvPr id="390" name="Google Shape;390;gd7de786e8c_1_50:notes"/>
+          <p:cNvPr id="390" name="Google Shape;390;ge72af3288f_0_2:notes"/>
           <p:cNvSpPr/>
           <p:nvPr>
             <p:ph idx="2" type="sldImg"/>
@@ -1783,7 +1762,7 @@
       </p:sp>
       <p:sp>
         <p:nvSpPr>
-          <p:cNvPr id="391" name="Google Shape;391;gd7de786e8c_1_50:notes"/>
+          <p:cNvPr id="391" name="Google Shape;391;ge72af3288f_0_2:notes"/>
           <p:cNvSpPr txBox="1"/>
           <p:nvPr>
             <p:ph idx="1" type="body"/>
@@ -1932,7 +1911,7 @@
   <p:cSld>
     <p:spTree>
       <p:nvGrpSpPr>
-        <p:cNvPr id="396" name="Shape 396"/>
+        <p:cNvPr id="395" name="Shape 395"/>
         <p:cNvGrpSpPr/>
         <p:nvPr/>
       </p:nvGrpSpPr>
@@ -1946,7 +1925,7 @@
       </p:grpSpPr>
       <p:sp>
         <p:nvSpPr>
-          <p:cNvPr id="397" name="Google Shape;397;gd7de786e8c_0_420:notes"/>
+          <p:cNvPr id="396" name="Google Shape;396;ge72af3288f_0_7:notes"/>
           <p:cNvSpPr/>
           <p:nvPr>
             <p:ph idx="2" type="sldImg"/>
@@ -1981,7 +1960,7 @@
       </p:sp>
       <p:sp>
         <p:nvSpPr>
-          <p:cNvPr id="398" name="Google Shape;398;gd7de786e8c_0_420:notes"/>
+          <p:cNvPr id="397" name="Google Shape;397;ge72af3288f_0_7:notes"/>
           <p:cNvSpPr txBox="1"/>
           <p:nvPr>
             <p:ph idx="1" type="body"/>
@@ -2045,7 +2024,7 @@
       </p:grpSpPr>
       <p:sp>
         <p:nvSpPr>
-          <p:cNvPr id="403" name="Google Shape;403;gd97497973e_0_22:notes"/>
+          <p:cNvPr id="403" name="Google Shape;403;ge72af3288f_0_14:notes"/>
           <p:cNvSpPr/>
           <p:nvPr>
             <p:ph idx="2" type="sldImg"/>
@@ -2080,7 +2059,7 @@
       </p:sp>
       <p:sp>
         <p:nvSpPr>
-          <p:cNvPr id="404" name="Google Shape;404;gd97497973e_0_22:notes"/>
+          <p:cNvPr id="404" name="Google Shape;404;ge72af3288f_0_14:notes"/>
           <p:cNvSpPr txBox="1"/>
           <p:nvPr>
             <p:ph idx="1" type="body"/>
@@ -2144,7 +2123,7 @@
       </p:grpSpPr>
       <p:sp>
         <p:nvSpPr>
-          <p:cNvPr id="410" name="Google Shape;410;gd7de786e8c_1_56:notes"/>
+          <p:cNvPr id="410" name="Google Shape;410;ge72af3288f_0_19:notes"/>
           <p:cNvSpPr/>
           <p:nvPr>
             <p:ph idx="2" type="sldImg"/>
@@ -2179,7 +2158,7 @@
       </p:sp>
       <p:sp>
         <p:nvSpPr>
-          <p:cNvPr id="411" name="Google Shape;411;gd7de786e8c_1_56:notes"/>
+          <p:cNvPr id="411" name="Google Shape;411;ge72af3288f_0_19:notes"/>
           <p:cNvSpPr txBox="1"/>
           <p:nvPr>
             <p:ph idx="1" type="body"/>
@@ -2243,7 +2222,7 @@
       </p:grpSpPr>
       <p:sp>
         <p:nvSpPr>
-          <p:cNvPr id="417" name="Google Shape;417;gd7de786e8c_1_67:notes"/>
+          <p:cNvPr id="417" name="Google Shape;417;gd7de786e8c_1_56:notes"/>
           <p:cNvSpPr/>
           <p:nvPr>
             <p:ph idx="2" type="sldImg"/>
@@ -2278,7 +2257,7 @@
       </p:sp>
       <p:sp>
         <p:nvSpPr>
-          <p:cNvPr id="418" name="Google Shape;418;gd7de786e8c_1_67:notes"/>
+          <p:cNvPr id="418" name="Google Shape;418;gd7de786e8c_1_56:notes"/>
           <p:cNvSpPr txBox="1"/>
           <p:nvPr>
             <p:ph idx="1" type="body"/>
@@ -2342,7 +2321,7 @@
       </p:grpSpPr>
       <p:sp>
         <p:nvSpPr>
-          <p:cNvPr id="424" name="Google Shape;424;gd7de786e8c_1_61:notes"/>
+          <p:cNvPr id="424" name="Google Shape;424;gd7de786e8c_1_67:notes"/>
           <p:cNvSpPr/>
           <p:nvPr>
             <p:ph idx="2" type="sldImg"/>
@@ -2377,7 +2356,7 @@
       </p:sp>
       <p:sp>
         <p:nvSpPr>
-          <p:cNvPr id="425" name="Google Shape;425;gd7de786e8c_1_61:notes"/>
+          <p:cNvPr id="425" name="Google Shape;425;gd7de786e8c_1_67:notes"/>
           <p:cNvSpPr txBox="1"/>
           <p:nvPr>
             <p:ph idx="1" type="body"/>
@@ -2427,7 +2406,7 @@
   <p:cSld>
     <p:spTree>
       <p:nvGrpSpPr>
-        <p:cNvPr id="429" name="Shape 429"/>
+        <p:cNvPr id="430" name="Shape 430"/>
         <p:cNvGrpSpPr/>
         <p:nvPr/>
       </p:nvGrpSpPr>
@@ -2441,7 +2420,7 @@
       </p:grpSpPr>
       <p:sp>
         <p:nvSpPr>
-          <p:cNvPr id="430" name="Google Shape;430;gd97497973e_0_7:notes"/>
+          <p:cNvPr id="431" name="Google Shape;431;gd97497973e_0_7:notes"/>
           <p:cNvSpPr/>
           <p:nvPr>
             <p:ph idx="2" type="sldImg"/>
@@ -2476,7 +2455,7 @@
       </p:sp>
       <p:sp>
         <p:nvSpPr>
-          <p:cNvPr id="431" name="Google Shape;431;gd97497973e_0_7:notes"/>
+          <p:cNvPr id="432" name="Google Shape;432;gd97497973e_0_7:notes"/>
           <p:cNvSpPr txBox="1"/>
           <p:nvPr>
             <p:ph idx="1" type="body"/>
@@ -2526,7 +2505,7 @@
   <p:cSld>
     <p:spTree>
       <p:nvGrpSpPr>
-        <p:cNvPr id="435" name="Shape 435"/>
+        <p:cNvPr id="436" name="Shape 436"/>
         <p:cNvGrpSpPr/>
         <p:nvPr/>
       </p:nvGrpSpPr>
@@ -2540,7 +2519,7 @@
       </p:grpSpPr>
       <p:sp>
         <p:nvSpPr>
-          <p:cNvPr id="436" name="Google Shape;436;gd7de786e8c_1_73:notes"/>
+          <p:cNvPr id="437" name="Google Shape;437;gd7de786e8c_1_73:notes"/>
           <p:cNvSpPr/>
           <p:nvPr>
             <p:ph idx="2" type="sldImg"/>
@@ -2575,7 +2554,7 @@
       </p:sp>
       <p:sp>
         <p:nvSpPr>
-          <p:cNvPr id="437" name="Google Shape;437;gd7de786e8c_1_73:notes"/>
+          <p:cNvPr id="438" name="Google Shape;438;gd7de786e8c_1_73:notes"/>
           <p:cNvSpPr txBox="1"/>
           <p:nvPr>
             <p:ph idx="1" type="body"/>
@@ -2625,7 +2604,7 @@
   <p:cSld>
     <p:spTree>
       <p:nvGrpSpPr>
-        <p:cNvPr id="442" name="Shape 442"/>
+        <p:cNvPr id="443" name="Shape 443"/>
         <p:cNvGrpSpPr/>
         <p:nvPr/>
       </p:nvGrpSpPr>
@@ -2639,7 +2618,7 @@
       </p:grpSpPr>
       <p:sp>
         <p:nvSpPr>
-          <p:cNvPr id="443" name="Google Shape;443;gd7de786e8c_1_78:notes"/>
+          <p:cNvPr id="444" name="Google Shape;444;gd7de786e8c_1_78:notes"/>
           <p:cNvSpPr/>
           <p:nvPr>
             <p:ph idx="2" type="sldImg"/>
@@ -2674,7 +2653,7 @@
       </p:sp>
       <p:sp>
         <p:nvSpPr>
-          <p:cNvPr id="444" name="Google Shape;444;gd7de786e8c_1_78:notes"/>
+          <p:cNvPr id="445" name="Google Shape;445;gd7de786e8c_1_78:notes"/>
           <p:cNvSpPr txBox="1"/>
           <p:nvPr>
             <p:ph idx="1" type="body"/>
@@ -2724,7 +2703,7 @@
   <p:cSld>
     <p:spTree>
       <p:nvGrpSpPr>
-        <p:cNvPr id="449" name="Shape 449"/>
+        <p:cNvPr id="450" name="Shape 450"/>
         <p:cNvGrpSpPr/>
         <p:nvPr/>
       </p:nvGrpSpPr>
@@ -2738,7 +2717,7 @@
       </p:grpSpPr>
       <p:sp>
         <p:nvSpPr>
-          <p:cNvPr id="450" name="Google Shape;450;g1d332a2658f171dc_0:notes"/>
+          <p:cNvPr id="451" name="Google Shape;451;g1d332a2658f171dc_0:notes"/>
           <p:cNvSpPr/>
           <p:nvPr>
             <p:ph idx="2" type="sldImg"/>
@@ -2773,7 +2752,7 @@
       </p:sp>
       <p:sp>
         <p:nvSpPr>
-          <p:cNvPr id="451" name="Google Shape;451;g1d332a2658f171dc_0:notes"/>
+          <p:cNvPr id="452" name="Google Shape;452;g1d332a2658f171dc_0:notes"/>
           <p:cNvSpPr txBox="1"/>
           <p:nvPr>
             <p:ph idx="1" type="body"/>
@@ -2823,7 +2802,7 @@
   <p:cSld>
     <p:spTree>
       <p:nvGrpSpPr>
-        <p:cNvPr id="456" name="Shape 456"/>
+        <p:cNvPr id="457" name="Shape 457"/>
         <p:cNvGrpSpPr/>
         <p:nvPr/>
       </p:nvGrpSpPr>
@@ -2837,7 +2816,7 @@
       </p:grpSpPr>
       <p:sp>
         <p:nvSpPr>
-          <p:cNvPr id="457" name="Google Shape;457;gd7de786e8c_1_4:notes"/>
+          <p:cNvPr id="458" name="Google Shape;458;gd7de786e8c_1_4:notes"/>
           <p:cNvSpPr/>
           <p:nvPr>
             <p:ph idx="2" type="sldImg"/>
@@ -2872,7 +2851,7 @@
       </p:sp>
       <p:sp>
         <p:nvSpPr>
-          <p:cNvPr id="458" name="Google Shape;458;gd7de786e8c_1_4:notes"/>
+          <p:cNvPr id="459" name="Google Shape;459;gd7de786e8c_1_4:notes"/>
           <p:cNvSpPr txBox="1"/>
           <p:nvPr>
             <p:ph idx="1" type="body"/>
@@ -3021,7 +3000,7 @@
   <p:cSld>
     <p:spTree>
       <p:nvGrpSpPr>
-        <p:cNvPr id="462" name="Shape 462"/>
+        <p:cNvPr id="463" name="Shape 463"/>
         <p:cNvGrpSpPr/>
         <p:nvPr/>
       </p:nvGrpSpPr>
@@ -3035,7 +3014,7 @@
       </p:grpSpPr>
       <p:sp>
         <p:nvSpPr>
-          <p:cNvPr id="463" name="Google Shape;463;gd97497973e_0_13:notes"/>
+          <p:cNvPr id="464" name="Google Shape;464;gd97497973e_0_13:notes"/>
           <p:cNvSpPr/>
           <p:nvPr>
             <p:ph idx="2" type="sldImg"/>
@@ -3070,7 +3049,7 @@
       </p:sp>
       <p:sp>
         <p:nvSpPr>
-          <p:cNvPr id="464" name="Google Shape;464;gd97497973e_0_13:notes"/>
+          <p:cNvPr id="465" name="Google Shape;465;gd97497973e_0_13:notes"/>
           <p:cNvSpPr txBox="1"/>
           <p:nvPr>
             <p:ph idx="1" type="body"/>
@@ -3120,7 +3099,7 @@
   <p:cSld>
     <p:spTree>
       <p:nvGrpSpPr>
-        <p:cNvPr id="469" name="Shape 469"/>
+        <p:cNvPr id="470" name="Shape 470"/>
         <p:cNvGrpSpPr/>
         <p:nvPr/>
       </p:nvGrpSpPr>
@@ -3134,7 +3113,7 @@
       </p:grpSpPr>
       <p:sp>
         <p:nvSpPr>
-          <p:cNvPr id="470" name="Google Shape;470;gd7de786e8c_1_9:notes"/>
+          <p:cNvPr id="471" name="Google Shape;471;gd7de786e8c_1_9:notes"/>
           <p:cNvSpPr/>
           <p:nvPr>
             <p:ph idx="2" type="sldImg"/>
@@ -3169,7 +3148,7 @@
       </p:sp>
       <p:sp>
         <p:nvSpPr>
-          <p:cNvPr id="471" name="Google Shape;471;gd7de786e8c_1_9:notes"/>
+          <p:cNvPr id="472" name="Google Shape;472;gd7de786e8c_1_9:notes"/>
           <p:cNvSpPr txBox="1"/>
           <p:nvPr>
             <p:ph idx="1" type="body"/>
@@ -3219,7 +3198,7 @@
   <p:cSld>
     <p:spTree>
       <p:nvGrpSpPr>
-        <p:cNvPr id="475" name="Shape 475"/>
+        <p:cNvPr id="476" name="Shape 476"/>
         <p:cNvGrpSpPr/>
         <p:nvPr/>
       </p:nvGrpSpPr>
@@ -3233,7 +3212,7 @@
       </p:grpSpPr>
       <p:sp>
         <p:nvSpPr>
-          <p:cNvPr id="476" name="Google Shape;476;gd7de786e8c_1_14:notes"/>
+          <p:cNvPr id="477" name="Google Shape;477;gd7de786e8c_1_14:notes"/>
           <p:cNvSpPr/>
           <p:nvPr>
             <p:ph idx="2" type="sldImg"/>
@@ -3268,7 +3247,7 @@
       </p:sp>
       <p:sp>
         <p:nvSpPr>
-          <p:cNvPr id="477" name="Google Shape;477;gd7de786e8c_1_14:notes"/>
+          <p:cNvPr id="478" name="Google Shape;478;gd7de786e8c_1_14:notes"/>
           <p:cNvSpPr txBox="1"/>
           <p:nvPr>
             <p:ph idx="1" type="body"/>
@@ -3318,7 +3297,7 @@
   <p:cSld>
     <p:spTree>
       <p:nvGrpSpPr>
-        <p:cNvPr id="481" name="Shape 481"/>
+        <p:cNvPr id="482" name="Shape 482"/>
         <p:cNvGrpSpPr/>
         <p:nvPr/>
       </p:nvGrpSpPr>
@@ -3332,7 +3311,7 @@
       </p:grpSpPr>
       <p:sp>
         <p:nvSpPr>
-          <p:cNvPr id="482" name="Google Shape;482;gd7de786e8c_1_28:notes"/>
+          <p:cNvPr id="483" name="Google Shape;483;gd7de786e8c_1_28:notes"/>
           <p:cNvSpPr/>
           <p:nvPr>
             <p:ph idx="2" type="sldImg"/>
@@ -3367,7 +3346,7 @@
       </p:sp>
       <p:sp>
         <p:nvSpPr>
-          <p:cNvPr id="483" name="Google Shape;483;gd7de786e8c_1_28:notes"/>
+          <p:cNvPr id="484" name="Google Shape;484;gd7de786e8c_1_28:notes"/>
           <p:cNvSpPr txBox="1"/>
           <p:nvPr>
             <p:ph idx="1" type="body"/>
@@ -18423,7 +18402,7 @@
     <p:bg>
       <p:bgPr>
         <a:solidFill>
-          <a:schemeClr val="accent1"/>
+          <a:schemeClr val="accent3"/>
         </a:solidFill>
       </p:bgPr>
     </p:bg>
@@ -18451,7 +18430,7 @@
         </p:nvSpPr>
         <p:spPr>
           <a:xfrm>
-            <a:off x="1303800" y="598575"/>
+            <a:off x="1303800" y="175375"/>
             <a:ext cx="7030500" cy="999300"/>
           </a:xfrm>
           <a:prstGeom prst="rect">
@@ -18505,8 +18484,8 @@
         </p:nvSpPr>
         <p:spPr>
           <a:xfrm>
-            <a:off x="1303800" y="1085400"/>
-            <a:ext cx="3430500" cy="3446400"/>
+            <a:off x="1303800" y="668500"/>
+            <a:ext cx="3430500" cy="3098400"/>
           </a:xfrm>
           <a:prstGeom prst="rect">
             <a:avLst/>
@@ -18514,31 +18493,16 @@
         </p:spPr>
         <p:txBody>
           <a:bodyPr anchorCtr="0" anchor="t" bIns="91425" lIns="91425" spcFirstLastPara="1" rIns="91425" wrap="square" tIns="91425">
-            <a:normAutofit fontScale="25000"/>
+            <a:noAutofit/>
           </a:bodyPr>
           <a:lstStyle/>
-          <a:p>
-            <a:pPr indent="0" lvl="0" marL="0" rtl="0" algn="l">
-              <a:spcBef>
-                <a:spcPts val="0"/>
-              </a:spcBef>
-              <a:spcAft>
-                <a:spcPts val="0"/>
-              </a:spcAft>
-              <a:buNone/>
-            </a:pPr>
-            <a:r>
-              <a:t/>
-            </a:r>
-            <a:endParaRPr/>
-          </a:p>
           <a:p>
             <a:pPr indent="0" lvl="0" marL="0" rtl="0" algn="l">
               <a:lnSpc>
                 <a:spcPct val="165500"/>
               </a:lnSpc>
               <a:spcBef>
-                <a:spcPts val="1200"/>
+                <a:spcPts val="0"/>
               </a:spcBef>
               <a:spcAft>
                 <a:spcPts val="0"/>
@@ -18546,7 +18510,7 @@
               <a:buNone/>
             </a:pPr>
             <a:r>
-              <a:rPr lang="en" sz="4530">
+              <a:rPr lang="en" sz="1400">
                 <a:solidFill>
                   <a:srgbClr val="0E101A"/>
                 </a:solidFill>
@@ -18560,7 +18524,7 @@
               </a:rPr>
               <a:t>The average GDP for each quarter was determined</a:t>
             </a:r>
-            <a:endParaRPr sz="4530">
+            <a:endParaRPr sz="1400">
               <a:solidFill>
                 <a:srgbClr val="0E101A"/>
               </a:solidFill>
@@ -18587,7 +18551,7 @@
               <a:buNone/>
             </a:pPr>
             <a:r>
-              <a:rPr lang="en" sz="4530">
+              <a:rPr lang="en" sz="1400">
                 <a:solidFill>
                   <a:srgbClr val="0E101A"/>
                 </a:solidFill>
@@ -18602,7 +18566,7 @@
               <a:t>Converted the date column into </a:t>
             </a:r>
             <a:r>
-              <a:rPr b="1" lang="en" sz="4530">
+              <a:rPr b="1" lang="en" sz="1400">
                 <a:solidFill>
                   <a:srgbClr val="0E101A"/>
                 </a:solidFill>
@@ -18617,7 +18581,7 @@
               <a:t>object </a:t>
             </a:r>
             <a:r>
-              <a:rPr lang="en" sz="4530">
+              <a:rPr lang="en" sz="1400">
                 <a:solidFill>
                   <a:srgbClr val="0E101A"/>
                 </a:solidFill>
@@ -18631,7 +18595,7 @@
               </a:rPr>
               <a:t>because if it were converted to datetime format the entries would be placed at seconds rather than years</a:t>
             </a:r>
-            <a:endParaRPr sz="4530">
+            <a:endParaRPr sz="1400">
               <a:solidFill>
                 <a:srgbClr val="0E101A"/>
               </a:solidFill>
@@ -18658,7 +18622,7 @@
               <a:buNone/>
             </a:pPr>
             <a:r>
-              <a:rPr lang="en" sz="4530">
+              <a:rPr lang="en" sz="1400">
                 <a:solidFill>
                   <a:srgbClr val="0E101A"/>
                 </a:solidFill>
@@ -18672,7 +18636,7 @@
               </a:rPr>
               <a:t>Used the melt function to get the gdp for all the years from 2014-2020 and splitted them into quarters mapped to their respective GDP’s</a:t>
             </a:r>
-            <a:endParaRPr sz="4530">
+            <a:endParaRPr sz="1400">
               <a:solidFill>
                 <a:srgbClr val="0E101A"/>
               </a:solidFill>
@@ -18699,7 +18663,7 @@
               <a:buNone/>
             </a:pPr>
             <a:r>
-              <a:rPr lang="en" sz="4530">
+              <a:rPr lang="en" sz="1400">
                 <a:solidFill>
                   <a:srgbClr val="0E101A"/>
                 </a:solidFill>
@@ -18713,7 +18677,7 @@
               </a:rPr>
               <a:t>Plotted a bar chart to show GDP for all the years into the quarter subplots</a:t>
             </a:r>
-            <a:endParaRPr sz="4530">
+            <a:endParaRPr sz="1400">
               <a:solidFill>
                 <a:srgbClr val="0E101A"/>
               </a:solidFill>
@@ -18739,7 +18703,7 @@
             <a:r>
               <a:t/>
             </a:r>
-            <a:endParaRPr/>
+            <a:endParaRPr sz="1400"/>
           </a:p>
         </p:txBody>
       </p:sp>
@@ -18753,8 +18717,8 @@
         </p:nvSpPr>
         <p:spPr>
           <a:xfrm>
-            <a:off x="4903650" y="598575"/>
-            <a:ext cx="3430500" cy="3933000"/>
+            <a:off x="4903650" y="175375"/>
+            <a:ext cx="3430500" cy="4356300"/>
           </a:xfrm>
           <a:prstGeom prst="rect">
             <a:avLst/>
@@ -18762,7 +18726,7 @@
         </p:spPr>
         <p:txBody>
           <a:bodyPr anchorCtr="0" anchor="t" bIns="91425" lIns="91425" spcFirstLastPara="1" rIns="91425" wrap="square" tIns="91425">
-            <a:normAutofit fontScale="25000" lnSpcReduction="20000"/>
+            <a:noAutofit/>
           </a:bodyPr>
           <a:lstStyle/>
           <a:p>
@@ -18779,7 +18743,7 @@
               <a:buNone/>
             </a:pPr>
             <a:r>
-              <a:rPr b="1" lang="en" sz="4796" u="sng">
+              <a:rPr b="1" lang="en" sz="1400" u="sng">
                 <a:solidFill>
                   <a:srgbClr val="0E101A"/>
                 </a:solidFill>
@@ -18793,7 +18757,7 @@
               </a:rPr>
               <a:t>Budget Data Analysis</a:t>
             </a:r>
-            <a:endParaRPr b="1" sz="4796" u="sng">
+            <a:endParaRPr b="1" sz="1400" u="sng">
               <a:solidFill>
                 <a:srgbClr val="0E101A"/>
               </a:solidFill>
@@ -18820,9 +18784,51 @@
               <a:buNone/>
             </a:pPr>
             <a:r>
-              <a:t/>
+              <a:rPr lang="en" sz="1400">
+                <a:solidFill>
+                  <a:srgbClr val="0E101A"/>
+                </a:solidFill>
+                <a:highlight>
+                  <a:srgbClr val="FFFFFF"/>
+                </a:highlight>
+                <a:latin typeface="Times New Roman"/>
+                <a:ea typeface="Times New Roman"/>
+                <a:cs typeface="Times New Roman"/>
+                <a:sym typeface="Times New Roman"/>
+              </a:rPr>
+              <a:t>Created a new entry feature known as the </a:t>
             </a:r>
-            <a:endParaRPr b="1" sz="4796" u="sng">
+            <a:r>
+              <a:rPr b="1" lang="en" sz="1400">
+                <a:solidFill>
+                  <a:srgbClr val="0E101A"/>
+                </a:solidFill>
+                <a:highlight>
+                  <a:srgbClr val="FFFFFF"/>
+                </a:highlight>
+                <a:latin typeface="Times New Roman"/>
+                <a:ea typeface="Times New Roman"/>
+                <a:cs typeface="Times New Roman"/>
+                <a:sym typeface="Times New Roman"/>
+              </a:rPr>
+              <a:t>Percentage Budget Decrease </a:t>
+            </a:r>
+            <a:r>
+              <a:rPr lang="en" sz="1400">
+                <a:solidFill>
+                  <a:srgbClr val="0E101A"/>
+                </a:solidFill>
+                <a:highlight>
+                  <a:srgbClr val="FFFFFF"/>
+                </a:highlight>
+                <a:latin typeface="Times New Roman"/>
+                <a:ea typeface="Times New Roman"/>
+                <a:cs typeface="Times New Roman"/>
+                <a:sym typeface="Times New Roman"/>
+              </a:rPr>
+              <a:t>by subtracting the revised budget from the initial budget and divided by the initial budget</a:t>
+            </a:r>
+            <a:endParaRPr sz="1400">
               <a:solidFill>
                 <a:srgbClr val="0E101A"/>
               </a:solidFill>
@@ -18849,7 +18855,7 @@
               <a:buNone/>
             </a:pPr>
             <a:r>
-              <a:rPr lang="en" sz="4400">
+              <a:rPr lang="en" sz="1400">
                 <a:solidFill>
                   <a:srgbClr val="0E101A"/>
                 </a:solidFill>
@@ -18861,10 +18867,10 @@
                 <a:cs typeface="Times New Roman"/>
                 <a:sym typeface="Times New Roman"/>
               </a:rPr>
-              <a:t>Created a new entry feature known as the </a:t>
+              <a:t>Used </a:t>
             </a:r>
             <a:r>
-              <a:rPr b="1" lang="en" sz="4400">
+              <a:rPr b="1" lang="en" sz="1400">
                 <a:solidFill>
                   <a:srgbClr val="0E101A"/>
                 </a:solidFill>
@@ -18876,10 +18882,10 @@
                 <a:cs typeface="Times New Roman"/>
                 <a:sym typeface="Times New Roman"/>
               </a:rPr>
-              <a:t>Percentage Budget Decrease </a:t>
+              <a:t>sns.jointplot()</a:t>
             </a:r>
             <a:r>
-              <a:rPr lang="en" sz="4400">
+              <a:rPr lang="en" sz="1400">
                 <a:solidFill>
                   <a:srgbClr val="0E101A"/>
                 </a:solidFill>
@@ -18891,9 +18897,65 @@
                 <a:cs typeface="Times New Roman"/>
                 <a:sym typeface="Times New Roman"/>
               </a:rPr>
-              <a:t>by subtracting the revised budget from the initial budget and divided by the initial budget</a:t>
+              <a:t> to visualize the relationship between the Initial and Revised Budgets</a:t>
             </a:r>
-            <a:endParaRPr sz="4400">
+            <a:r>
+              <a:rPr lang="en" sz="1400">
+                <a:solidFill>
+                  <a:srgbClr val="000000"/>
+                </a:solidFill>
+                <a:highlight>
+                  <a:srgbClr val="FFFFFF"/>
+                </a:highlight>
+                <a:latin typeface="Arial"/>
+                <a:ea typeface="Arial"/>
+                <a:cs typeface="Arial"/>
+                <a:sym typeface="Arial"/>
+              </a:rPr>
+              <a:t> </a:t>
+            </a:r>
+            <a:endParaRPr sz="1400">
+              <a:solidFill>
+                <a:srgbClr val="000000"/>
+              </a:solidFill>
+              <a:highlight>
+                <a:srgbClr val="FFFFFF"/>
+              </a:highlight>
+              <a:latin typeface="Arial"/>
+              <a:ea typeface="Arial"/>
+              <a:cs typeface="Arial"/>
+              <a:sym typeface="Arial"/>
+            </a:endParaRPr>
+          </a:p>
+          <a:p>
+            <a:pPr indent="0" lvl="0" marL="0" marR="914400" rtl="0" algn="l">
+              <a:lnSpc>
+                <a:spcPct val="165500"/>
+              </a:lnSpc>
+              <a:spcBef>
+                <a:spcPts val="0"/>
+              </a:spcBef>
+              <a:spcAft>
+                <a:spcPts val="0"/>
+              </a:spcAft>
+              <a:buNone/>
+            </a:pPr>
+            <a:r>
+              <a:rPr lang="en" sz="1400">
+                <a:solidFill>
+                  <a:srgbClr val="0E101A"/>
+                </a:solidFill>
+                <a:highlight>
+                  <a:srgbClr val="FFFFFF"/>
+                </a:highlight>
+                <a:latin typeface="Times New Roman"/>
+                <a:ea typeface="Times New Roman"/>
+                <a:cs typeface="Times New Roman"/>
+                <a:sym typeface="Times New Roman"/>
+              </a:rPr>
+              <a:t>Used seaborn barplot to plot a bar chart for the states and their initial and revised budget</a:t>
+            </a:r>
+            <a:endParaRPr sz="1400">
               <a:solidFill>
                 <a:srgbClr val="0E101A"/>
               </a:solidFill>
@@ -18920,7 +18982,7 @@
               <a:buNone/>
             </a:pPr>
             <a:r>
-              <a:rPr lang="en" sz="4400">
+              <a:rPr lang="en" sz="1400">
                 <a:solidFill>
                   <a:srgbClr val="0E101A"/>
                 </a:solidFill>
@@ -18932,10 +18994,10 @@
                 <a:cs typeface="Times New Roman"/>
                 <a:sym typeface="Times New Roman"/>
               </a:rPr>
-              <a:t>Used </a:t>
+              <a:t>Computed </a:t>
             </a:r>
             <a:r>
-              <a:rPr b="1" lang="en" sz="4400">
+              <a:rPr b="1" lang="en" sz="1400">
                 <a:solidFill>
                   <a:srgbClr val="0E101A"/>
                 </a:solidFill>
@@ -18947,10 +19009,10 @@
                 <a:cs typeface="Times New Roman"/>
                 <a:sym typeface="Times New Roman"/>
               </a:rPr>
-              <a:t>sns.jointplot()</a:t>
+              <a:t>average percentage decrease(APD)</a:t>
             </a:r>
             <a:r>
-              <a:rPr lang="en" sz="4400">
+              <a:rPr lang="en" sz="1400">
                 <a:solidFill>
                   <a:srgbClr val="0E101A"/>
                 </a:solidFill>
@@ -18962,65 +19024,9 @@
                 <a:cs typeface="Times New Roman"/>
                 <a:sym typeface="Times New Roman"/>
               </a:rPr>
-              <a:t> to visualize the relationship between the Initial and Revised Budgets</a:t>
+              <a:t> in the budget across all states in Nigeria</a:t>
             </a:r>
-            <a:r>
-              <a:rPr lang="en" sz="4400">
-                <a:solidFill>
-                  <a:srgbClr val="000000"/>
-                </a:solidFill>
-                <a:highlight>
-                  <a:srgbClr val="FFFFFF"/>
-                </a:highlight>
-                <a:latin typeface="Arial"/>
-                <a:ea typeface="Arial"/>
-                <a:cs typeface="Arial"/>
-                <a:sym typeface="Arial"/>
-              </a:rPr>
-              <a:t> </a:t>
-            </a:r>
-            <a:endParaRPr sz="4400">
-              <a:solidFill>
-                <a:srgbClr val="000000"/>
-              </a:solidFill>
-              <a:highlight>
-                <a:srgbClr val="FFFFFF"/>
-              </a:highlight>
-              <a:latin typeface="Arial"/>
-              <a:ea typeface="Arial"/>
-              <a:cs typeface="Arial"/>
-              <a:sym typeface="Arial"/>
-            </a:endParaRPr>
-          </a:p>
-          <a:p>
-            <a:pPr indent="0" lvl="0" marL="0" marR="914400" rtl="0" algn="l">
-              <a:lnSpc>
-                <a:spcPct val="165500"/>
-              </a:lnSpc>
-              <a:spcBef>
-                <a:spcPts val="0"/>
-              </a:spcBef>
-              <a:spcAft>
-                <a:spcPts val="0"/>
-              </a:spcAft>
-              <a:buNone/>
-            </a:pPr>
-            <a:r>
-              <a:rPr lang="en" sz="4400">
-                <a:solidFill>
-                  <a:srgbClr val="0E101A"/>
-                </a:solidFill>
-                <a:highlight>
-                  <a:srgbClr val="FFFFFF"/>
-                </a:highlight>
-                <a:latin typeface="Times New Roman"/>
-                <a:ea typeface="Times New Roman"/>
-                <a:cs typeface="Times New Roman"/>
-                <a:sym typeface="Times New Roman"/>
-              </a:rPr>
-              <a:t>Used seaborn barplot to plot a bar chart for the states and their initial and revised budget</a:t>
-            </a:r>
-            <a:endParaRPr sz="4400">
+            <a:endParaRPr sz="1400">
               <a:solidFill>
                 <a:srgbClr val="0E101A"/>
               </a:solidFill>
@@ -19047,78 +19053,7 @@
               <a:buNone/>
             </a:pPr>
             <a:r>
-              <a:rPr lang="en" sz="4400">
-                <a:solidFill>
-                  <a:srgbClr val="0E101A"/>
-                </a:solidFill>
-                <a:highlight>
-                  <a:srgbClr val="FFFFFF"/>
-                </a:highlight>
-                <a:latin typeface="Times New Roman"/>
-                <a:ea typeface="Times New Roman"/>
-                <a:cs typeface="Times New Roman"/>
-                <a:sym typeface="Times New Roman"/>
-              </a:rPr>
-              <a:t>Computed </a:t>
-            </a:r>
-            <a:r>
-              <a:rPr b="1" lang="en" sz="4400">
-                <a:solidFill>
-                  <a:srgbClr val="0E101A"/>
-                </a:solidFill>
-                <a:highlight>
-                  <a:srgbClr val="FFFFFF"/>
-                </a:highlight>
-                <a:latin typeface="Times New Roman"/>
-                <a:ea typeface="Times New Roman"/>
-                <a:cs typeface="Times New Roman"/>
-                <a:sym typeface="Times New Roman"/>
-              </a:rPr>
-              <a:t>average percentage decrease(APD)</a:t>
-            </a:r>
-            <a:r>
-              <a:rPr lang="en" sz="4400">
-                <a:solidFill>
-                  <a:srgbClr val="0E101A"/>
-                </a:solidFill>
-                <a:highlight>
-                  <a:srgbClr val="FFFFFF"/>
-                </a:highlight>
-                <a:latin typeface="Times New Roman"/>
-                <a:ea typeface="Times New Roman"/>
-                <a:cs typeface="Times New Roman"/>
-                <a:sym typeface="Times New Roman"/>
-              </a:rPr>
-              <a:t> in the budget across all states in Nigeria</a:t>
-            </a:r>
-            <a:endParaRPr sz="4400">
-              <a:solidFill>
-                <a:srgbClr val="0E101A"/>
-              </a:solidFill>
-              <a:highlight>
-                <a:srgbClr val="FFFFFF"/>
-              </a:highlight>
-              <a:latin typeface="Times New Roman"/>
-              <a:ea typeface="Times New Roman"/>
-              <a:cs typeface="Times New Roman"/>
-              <a:sym typeface="Times New Roman"/>
-            </a:endParaRPr>
-          </a:p>
-          <a:p>
-            <a:pPr indent="0" lvl="0" marL="0" marR="914400" rtl="0" algn="l">
-              <a:lnSpc>
-                <a:spcPct val="165500"/>
-              </a:lnSpc>
-              <a:spcBef>
-                <a:spcPts val="0"/>
-              </a:spcBef>
-              <a:spcAft>
-                <a:spcPts val="0"/>
-              </a:spcAft>
-              <a:buNone/>
-            </a:pPr>
-            <a:r>
-              <a:rPr lang="en" sz="4400">
+              <a:rPr lang="en" sz="1400">
                 <a:solidFill>
                   <a:srgbClr val="0E101A"/>
                 </a:solidFill>
@@ -19132,7 +19067,7 @@
               </a:rPr>
               <a:t>Extracted state with the minimum and maximum percent change</a:t>
             </a:r>
-            <a:endParaRPr sz="4400">
+            <a:endParaRPr sz="1400">
               <a:solidFill>
                 <a:srgbClr val="0E101A"/>
               </a:solidFill>
@@ -19158,7 +19093,7 @@
             <a:r>
               <a:t/>
             </a:r>
-            <a:endParaRPr/>
+            <a:endParaRPr sz="1400"/>
           </a:p>
         </p:txBody>
       </p:sp>
@@ -20751,6 +20686,13 @@
 <file path=ppt/slides/slide16.xml><?xml version="1.0" encoding="utf-8"?>
 <p:sld xmlns:a="http://schemas.openxmlformats.org/drawingml/2006/main" xmlns:r="http://schemas.openxmlformats.org/officeDocument/2006/relationships" xmlns:mc="http://schemas.openxmlformats.org/markup-compatibility/2006" xmlns:mv="urn:schemas-microsoft-com:mac:vml" xmlns:p="http://schemas.openxmlformats.org/presentationml/2006/main" xmlns:c="http://schemas.openxmlformats.org/drawingml/2006/chart" xmlns:dgm="http://schemas.openxmlformats.org/drawingml/2006/diagram" xmlns:o="urn:schemas-microsoft-com:office:office" xmlns:v="urn:schemas-microsoft-com:vml" xmlns:pvml="urn:schemas-microsoft-com:office:powerpoint" xmlns:com="http://schemas.openxmlformats.org/drawingml/2006/compatibility" xmlns:p14="http://schemas.microsoft.com/office/powerpoint/2010/main" xmlns:p15="http://schemas.microsoft.com/office/powerpoint/2012/main" xmlns:ahyp="http://schemas.microsoft.com/office/drawing/2018/hyperlinkcolor">
   <p:cSld>
+    <p:bg>
+      <p:bgPr>
+        <a:solidFill>
+          <a:schemeClr val="accent3"/>
+        </a:solidFill>
+      </p:bgPr>
+    </p:bg>
     <p:spTree>
       <p:nvGrpSpPr>
         <p:cNvPr id="372" name="Shape 372"/>
@@ -20768,6 +20710,305 @@
       <p:sp>
         <p:nvSpPr>
           <p:cNvPr id="373" name="Google Shape;373;p28"/>
+          <p:cNvSpPr txBox="1"/>
+          <p:nvPr>
+            <p:ph type="title"/>
+          </p:nvPr>
+        </p:nvSpPr>
+        <p:spPr>
+          <a:xfrm>
+            <a:off x="521425" y="142850"/>
+            <a:ext cx="7861800" cy="999300"/>
+          </a:xfrm>
+          <a:prstGeom prst="rect">
+            <a:avLst/>
+          </a:prstGeom>
+        </p:spPr>
+        <p:txBody>
+          <a:bodyPr anchorCtr="0" anchor="t" bIns="91425" lIns="91425" spcFirstLastPara="1" rIns="91425" wrap="square" tIns="91425">
+            <a:noAutofit/>
+          </a:bodyPr>
+          <a:lstStyle/>
+          <a:p>
+            <a:pPr indent="0" lvl="0" marL="0" rtl="0" algn="l">
+              <a:lnSpc>
+                <a:spcPct val="115000"/>
+              </a:lnSpc>
+              <a:spcBef>
+                <a:spcPts val="300"/>
+              </a:spcBef>
+              <a:spcAft>
+                <a:spcPts val="1200"/>
+              </a:spcAft>
+              <a:buNone/>
+            </a:pPr>
+            <a:r>
+              <a:rPr b="0" lang="en" sz="1400">
+                <a:solidFill>
+                  <a:srgbClr val="24292E"/>
+                </a:solidFill>
+                <a:highlight>
+                  <a:srgbClr val="FFFFFF"/>
+                </a:highlight>
+                <a:latin typeface="Arial"/>
+                <a:ea typeface="Arial"/>
+                <a:cs typeface="Arial"/>
+                <a:sym typeface="Arial"/>
+              </a:rPr>
+              <a:t>From the correlation analysis of population density and confirmed cases areas with high population density index(increased vulnerability as a result of huge population) are reported to have high number of confirmed cases</a:t>
+            </a:r>
+            <a:endParaRPr sz="1400"/>
+          </a:p>
+        </p:txBody>
+      </p:sp>
+      <p:sp>
+        <p:nvSpPr>
+          <p:cNvPr id="374" name="Google Shape;374;p28"/>
+          <p:cNvSpPr txBox="1"/>
+          <p:nvPr>
+            <p:ph idx="1" type="body"/>
+          </p:nvPr>
+        </p:nvSpPr>
+        <p:spPr>
+          <a:xfrm>
+            <a:off x="570325" y="1990050"/>
+            <a:ext cx="7764000" cy="2541600"/>
+          </a:xfrm>
+          <a:prstGeom prst="rect">
+            <a:avLst/>
+          </a:prstGeom>
+        </p:spPr>
+        <p:txBody>
+          <a:bodyPr anchorCtr="0" anchor="t" bIns="91425" lIns="91425" spcFirstLastPara="1" rIns="91425" wrap="square" tIns="91425">
+            <a:normAutofit/>
+          </a:bodyPr>
+          <a:lstStyle/>
+          <a:p>
+            <a:pPr indent="0" lvl="0" marL="0" rtl="0" algn="l">
+              <a:spcBef>
+                <a:spcPts val="0"/>
+              </a:spcBef>
+              <a:spcAft>
+                <a:spcPts val="1200"/>
+              </a:spcAft>
+              <a:buNone/>
+            </a:pPr>
+            <a:r>
+              <a:t/>
+            </a:r>
+            <a:endParaRPr/>
+          </a:p>
+        </p:txBody>
+      </p:sp>
+      <p:pic>
+        <p:nvPicPr>
+          <p:cNvPr id="375" name="Google Shape;375;p28"/>
+          <p:cNvPicPr preferRelativeResize="0"/>
+          <p:nvPr/>
+        </p:nvPicPr>
+        <p:blipFill>
+          <a:blip r:embed="rId3">
+            <a:alphaModFix/>
+          </a:blip>
+          <a:stretch>
+            <a:fillRect/>
+          </a:stretch>
+        </p:blipFill>
+        <p:spPr>
+          <a:xfrm>
+            <a:off x="89800" y="946850"/>
+            <a:ext cx="8725050" cy="4071700"/>
+          </a:xfrm>
+          <a:prstGeom prst="rect">
+            <a:avLst/>
+          </a:prstGeom>
+          <a:noFill/>
+          <a:ln>
+            <a:noFill/>
+          </a:ln>
+        </p:spPr>
+      </p:pic>
+    </p:spTree>
+  </p:cSld>
+  <p:clrMapOvr>
+    <a:masterClrMapping/>
+  </p:clrMapOvr>
+</p:sld>
+</file>
+
+<file path=ppt/slides/slide17.xml><?xml version="1.0" encoding="utf-8"?>
+<p:sld xmlns:a="http://schemas.openxmlformats.org/drawingml/2006/main" xmlns:r="http://schemas.openxmlformats.org/officeDocument/2006/relationships" xmlns:mc="http://schemas.openxmlformats.org/markup-compatibility/2006" xmlns:mv="urn:schemas-microsoft-com:mac:vml" xmlns:p="http://schemas.openxmlformats.org/presentationml/2006/main" xmlns:c="http://schemas.openxmlformats.org/drawingml/2006/chart" xmlns:dgm="http://schemas.openxmlformats.org/drawingml/2006/diagram" xmlns:o="urn:schemas-microsoft-com:office:office" xmlns:v="urn:schemas-microsoft-com:vml" xmlns:pvml="urn:schemas-microsoft-com:office:powerpoint" xmlns:com="http://schemas.openxmlformats.org/drawingml/2006/compatibility" xmlns:p14="http://schemas.microsoft.com/office/powerpoint/2010/main" xmlns:p15="http://schemas.microsoft.com/office/powerpoint/2012/main" xmlns:ahyp="http://schemas.microsoft.com/office/drawing/2018/hyperlinkcolor">
+  <p:cSld>
+    <p:bg>
+      <p:bgPr>
+        <a:solidFill>
+          <a:schemeClr val="accent3"/>
+        </a:solidFill>
+      </p:bgPr>
+    </p:bg>
+    <p:spTree>
+      <p:nvGrpSpPr>
+        <p:cNvPr id="379" name="Shape 379"/>
+        <p:cNvGrpSpPr/>
+        <p:nvPr/>
+      </p:nvGrpSpPr>
+      <p:grpSpPr>
+        <a:xfrm>
+          <a:off x="0" y="0"/>
+          <a:ext cx="0" cy="0"/>
+          <a:chOff x="0" y="0"/>
+          <a:chExt cx="0" cy="0"/>
+        </a:xfrm>
+      </p:grpSpPr>
+      <p:sp>
+        <p:nvSpPr>
+          <p:cNvPr id="380" name="Google Shape;380;p29"/>
+          <p:cNvSpPr txBox="1"/>
+          <p:nvPr>
+            <p:ph type="title"/>
+          </p:nvPr>
+        </p:nvSpPr>
+        <p:spPr>
+          <a:xfrm>
+            <a:off x="179675" y="110275"/>
+            <a:ext cx="8154600" cy="999300"/>
+          </a:xfrm>
+          <a:prstGeom prst="rect">
+            <a:avLst/>
+          </a:prstGeom>
+        </p:spPr>
+        <p:txBody>
+          <a:bodyPr anchorCtr="0" anchor="t" bIns="91425" lIns="91425" spcFirstLastPara="1" rIns="91425" wrap="square" tIns="91425">
+            <a:normAutofit/>
+          </a:bodyPr>
+          <a:lstStyle/>
+          <a:p>
+            <a:pPr indent="0" lvl="0" marL="0" rtl="0" algn="l">
+              <a:lnSpc>
+                <a:spcPct val="115000"/>
+              </a:lnSpc>
+              <a:spcBef>
+                <a:spcPts val="300"/>
+              </a:spcBef>
+              <a:spcAft>
+                <a:spcPts val="1200"/>
+              </a:spcAft>
+              <a:buNone/>
+            </a:pPr>
+            <a:r>
+              <a:rPr b="0" lang="en" sz="1400">
+                <a:solidFill>
+                  <a:srgbClr val="24292E"/>
+                </a:solidFill>
+                <a:highlight>
+                  <a:srgbClr val="FFFFFF"/>
+                </a:highlight>
+                <a:latin typeface="Arial"/>
+                <a:ea typeface="Arial"/>
+                <a:cs typeface="Arial"/>
+                <a:sym typeface="Arial"/>
+              </a:rPr>
+              <a:t>Areas that are largely dominated by the aged who are susceptible to the virus have record for the high number of confirmed cases while areas with the low age index have low number of confirmed cases</a:t>
+            </a:r>
+            <a:endParaRPr/>
+          </a:p>
+        </p:txBody>
+      </p:sp>
+      <p:sp>
+        <p:nvSpPr>
+          <p:cNvPr id="381" name="Google Shape;381;p29"/>
+          <p:cNvSpPr txBox="1"/>
+          <p:nvPr>
+            <p:ph idx="1" type="body"/>
+          </p:nvPr>
+        </p:nvSpPr>
+        <p:spPr>
+          <a:xfrm>
+            <a:off x="1303800" y="1990050"/>
+            <a:ext cx="7030500" cy="2541600"/>
+          </a:xfrm>
+          <a:prstGeom prst="rect">
+            <a:avLst/>
+          </a:prstGeom>
+        </p:spPr>
+        <p:txBody>
+          <a:bodyPr anchorCtr="0" anchor="t" bIns="91425" lIns="91425" spcFirstLastPara="1" rIns="91425" wrap="square" tIns="91425">
+            <a:normAutofit/>
+          </a:bodyPr>
+          <a:lstStyle/>
+          <a:p>
+            <a:pPr indent="0" lvl="0" marL="0" rtl="0" algn="l">
+              <a:spcBef>
+                <a:spcPts val="0"/>
+              </a:spcBef>
+              <a:spcAft>
+                <a:spcPts val="1200"/>
+              </a:spcAft>
+              <a:buNone/>
+            </a:pPr>
+            <a:r>
+              <a:t/>
+            </a:r>
+            <a:endParaRPr/>
+          </a:p>
+        </p:txBody>
+      </p:sp>
+      <p:pic>
+        <p:nvPicPr>
+          <p:cNvPr id="382" name="Google Shape;382;p29"/>
+          <p:cNvPicPr preferRelativeResize="0"/>
+          <p:nvPr/>
+        </p:nvPicPr>
+        <p:blipFill>
+          <a:blip r:embed="rId3">
+            <a:alphaModFix/>
+          </a:blip>
+          <a:stretch>
+            <a:fillRect/>
+          </a:stretch>
+        </p:blipFill>
+        <p:spPr>
+          <a:xfrm>
+            <a:off x="179675" y="731150"/>
+            <a:ext cx="8675575" cy="4267200"/>
+          </a:xfrm>
+          <a:prstGeom prst="rect">
+            <a:avLst/>
+          </a:prstGeom>
+          <a:noFill/>
+          <a:ln>
+            <a:noFill/>
+          </a:ln>
+        </p:spPr>
+      </p:pic>
+    </p:spTree>
+  </p:cSld>
+  <p:clrMapOvr>
+    <a:masterClrMapping/>
+  </p:clrMapOvr>
+</p:sld>
+</file>
+
+<file path=ppt/slides/slide18.xml><?xml version="1.0" encoding="utf-8"?>
+<p:sld xmlns:a="http://schemas.openxmlformats.org/drawingml/2006/main" xmlns:r="http://schemas.openxmlformats.org/officeDocument/2006/relationships" xmlns:mc="http://schemas.openxmlformats.org/markup-compatibility/2006" xmlns:mv="urn:schemas-microsoft-com:mac:vml" xmlns:p="http://schemas.openxmlformats.org/presentationml/2006/main" xmlns:c="http://schemas.openxmlformats.org/drawingml/2006/chart" xmlns:dgm="http://schemas.openxmlformats.org/drawingml/2006/diagram" xmlns:o="urn:schemas-microsoft-com:office:office" xmlns:v="urn:schemas-microsoft-com:vml" xmlns:pvml="urn:schemas-microsoft-com:office:powerpoint" xmlns:com="http://schemas.openxmlformats.org/drawingml/2006/compatibility" xmlns:p14="http://schemas.microsoft.com/office/powerpoint/2010/main" xmlns:p15="http://schemas.microsoft.com/office/powerpoint/2012/main" xmlns:ahyp="http://schemas.microsoft.com/office/drawing/2018/hyperlinkcolor">
+  <p:cSld>
+    <p:spTree>
+      <p:nvGrpSpPr>
+        <p:cNvPr id="386" name="Shape 386"/>
+        <p:cNvGrpSpPr/>
+        <p:nvPr/>
+      </p:nvGrpSpPr>
+      <p:grpSpPr>
+        <a:xfrm>
+          <a:off x="0" y="0"/>
+          <a:ext cx="0" cy="0"/>
+          <a:chOff x="0" y="0"/>
+          <a:chExt cx="0" cy="0"/>
+        </a:xfrm>
+      </p:grpSpPr>
+      <p:sp>
+        <p:nvSpPr>
+          <p:cNvPr id="387" name="Google Shape;387;p30"/>
           <p:cNvSpPr txBox="1"/>
           <p:nvPr>
             <p:ph type="ctrTitle"/>
@@ -20826,7 +21067,7 @@
       </p:sp>
       <p:sp>
         <p:nvSpPr>
-          <p:cNvPr id="374" name="Google Shape;374;p28"/>
+          <p:cNvPr id="388" name="Google Shape;388;p30"/>
           <p:cNvSpPr txBox="1"/>
           <p:nvPr>
             <p:ph idx="1" type="subTitle"/>
@@ -20864,290 +21105,6 @@
           </a:p>
         </p:txBody>
       </p:sp>
-    </p:spTree>
-  </p:cSld>
-  <p:clrMapOvr>
-    <a:masterClrMapping/>
-  </p:clrMapOvr>
-</p:sld>
-</file>
-
-<file path=ppt/slides/slide17.xml><?xml version="1.0" encoding="utf-8"?>
-<p:sld xmlns:a="http://schemas.openxmlformats.org/drawingml/2006/main" xmlns:r="http://schemas.openxmlformats.org/officeDocument/2006/relationships" xmlns:mc="http://schemas.openxmlformats.org/markup-compatibility/2006" xmlns:mv="urn:schemas-microsoft-com:mac:vml" xmlns:p="http://schemas.openxmlformats.org/presentationml/2006/main" xmlns:c="http://schemas.openxmlformats.org/drawingml/2006/chart" xmlns:dgm="http://schemas.openxmlformats.org/drawingml/2006/diagram" xmlns:o="urn:schemas-microsoft-com:office:office" xmlns:v="urn:schemas-microsoft-com:vml" xmlns:pvml="urn:schemas-microsoft-com:office:powerpoint" xmlns:com="http://schemas.openxmlformats.org/drawingml/2006/compatibility" xmlns:p14="http://schemas.microsoft.com/office/powerpoint/2010/main" xmlns:p15="http://schemas.microsoft.com/office/powerpoint/2012/main" xmlns:ahyp="http://schemas.microsoft.com/office/drawing/2018/hyperlinkcolor">
-  <p:cSld>
-    <p:spTree>
-      <p:nvGrpSpPr>
-        <p:cNvPr id="378" name="Shape 378"/>
-        <p:cNvGrpSpPr/>
-        <p:nvPr/>
-      </p:nvGrpSpPr>
-      <p:grpSpPr>
-        <a:xfrm>
-          <a:off x="0" y="0"/>
-          <a:ext cx="0" cy="0"/>
-          <a:chOff x="0" y="0"/>
-          <a:chExt cx="0" cy="0"/>
-        </a:xfrm>
-      </p:grpSpPr>
-      <p:sp>
-        <p:nvSpPr>
-          <p:cNvPr id="379" name="Google Shape;379;p29"/>
-          <p:cNvSpPr txBox="1"/>
-          <p:nvPr>
-            <p:ph type="ctrTitle"/>
-          </p:nvPr>
-        </p:nvSpPr>
-        <p:spPr>
-          <a:xfrm>
-            <a:off x="824000" y="341931"/>
-            <a:ext cx="7657800" cy="806700"/>
-          </a:xfrm>
-          <a:prstGeom prst="rect">
-            <a:avLst/>
-          </a:prstGeom>
-        </p:spPr>
-        <p:txBody>
-          <a:bodyPr anchorCtr="0" anchor="ctr" bIns="91425" lIns="91425" spcFirstLastPara="1" rIns="91425" wrap="square" tIns="91425">
-            <a:normAutofit fontScale="90000"/>
-          </a:bodyPr>
-          <a:lstStyle/>
-          <a:p>
-            <a:pPr indent="0" lvl="0" marL="0" rtl="0" algn="l">
-              <a:spcBef>
-                <a:spcPts val="0"/>
-              </a:spcBef>
-              <a:spcAft>
-                <a:spcPts val="0"/>
-              </a:spcAft>
-              <a:buNone/>
-            </a:pPr>
-            <a:r>
-              <a:rPr lang="en">
-                <a:latin typeface="Georgia"/>
-                <a:ea typeface="Georgia"/>
-                <a:cs typeface="Georgia"/>
-                <a:sym typeface="Georgia"/>
-              </a:rPr>
-              <a:t>GRAPH OF CONFIRMED CASES</a:t>
-            </a:r>
-            <a:endParaRPr>
-              <a:latin typeface="Georgia"/>
-              <a:ea typeface="Georgia"/>
-              <a:cs typeface="Georgia"/>
-              <a:sym typeface="Georgia"/>
-            </a:endParaRPr>
-          </a:p>
-        </p:txBody>
-      </p:sp>
-      <p:sp>
-        <p:nvSpPr>
-          <p:cNvPr id="380" name="Google Shape;380;p29"/>
-          <p:cNvSpPr txBox="1"/>
-          <p:nvPr>
-            <p:ph idx="1" type="subTitle"/>
-          </p:nvPr>
-        </p:nvSpPr>
-        <p:spPr>
-          <a:xfrm>
-            <a:off x="824000" y="1507350"/>
-            <a:ext cx="7657800" cy="2784300"/>
-          </a:xfrm>
-          <a:prstGeom prst="rect">
-            <a:avLst/>
-          </a:prstGeom>
-        </p:spPr>
-        <p:txBody>
-          <a:bodyPr anchorCtr="0" anchor="t" bIns="91425" lIns="91425" spcFirstLastPara="1" rIns="91425" wrap="square" tIns="91425">
-            <a:normAutofit/>
-          </a:bodyPr>
-          <a:lstStyle/>
-          <a:p>
-            <a:pPr indent="0" lvl="0" marL="0" rtl="0" algn="l">
-              <a:spcBef>
-                <a:spcPts val="0"/>
-              </a:spcBef>
-              <a:spcAft>
-                <a:spcPts val="0"/>
-              </a:spcAft>
-              <a:buNone/>
-            </a:pPr>
-            <a:r>
-              <a:t/>
-            </a:r>
-            <a:endParaRPr/>
-          </a:p>
-        </p:txBody>
-      </p:sp>
-      <p:pic>
-        <p:nvPicPr>
-          <p:cNvPr id="381" name="Google Shape;381;p29"/>
-          <p:cNvPicPr preferRelativeResize="0"/>
-          <p:nvPr/>
-        </p:nvPicPr>
-        <p:blipFill>
-          <a:blip r:embed="rId3">
-            <a:alphaModFix/>
-          </a:blip>
-          <a:stretch>
-            <a:fillRect/>
-          </a:stretch>
-        </p:blipFill>
-        <p:spPr>
-          <a:xfrm>
-            <a:off x="761025" y="1507350"/>
-            <a:ext cx="8102825" cy="3049499"/>
-          </a:xfrm>
-          <a:prstGeom prst="rect">
-            <a:avLst/>
-          </a:prstGeom>
-          <a:noFill/>
-          <a:ln>
-            <a:noFill/>
-          </a:ln>
-        </p:spPr>
-      </p:pic>
-    </p:spTree>
-  </p:cSld>
-  <p:clrMapOvr>
-    <a:masterClrMapping/>
-  </p:clrMapOvr>
-</p:sld>
-</file>
-
-<file path=ppt/slides/slide18.xml><?xml version="1.0" encoding="utf-8"?>
-<p:sld xmlns:a="http://schemas.openxmlformats.org/drawingml/2006/main" xmlns:r="http://schemas.openxmlformats.org/officeDocument/2006/relationships" xmlns:mc="http://schemas.openxmlformats.org/markup-compatibility/2006" xmlns:mv="urn:schemas-microsoft-com:mac:vml" xmlns:p="http://schemas.openxmlformats.org/presentationml/2006/main" xmlns:c="http://schemas.openxmlformats.org/drawingml/2006/chart" xmlns:dgm="http://schemas.openxmlformats.org/drawingml/2006/diagram" xmlns:o="urn:schemas-microsoft-com:office:office" xmlns:v="urn:schemas-microsoft-com:vml" xmlns:pvml="urn:schemas-microsoft-com:office:powerpoint" xmlns:com="http://schemas.openxmlformats.org/drawingml/2006/compatibility" xmlns:p14="http://schemas.microsoft.com/office/powerpoint/2010/main" xmlns:p15="http://schemas.microsoft.com/office/powerpoint/2012/main" xmlns:ahyp="http://schemas.microsoft.com/office/drawing/2018/hyperlinkcolor">
-  <p:cSld>
-    <p:spTree>
-      <p:nvGrpSpPr>
-        <p:cNvPr id="385" name="Shape 385"/>
-        <p:cNvGrpSpPr/>
-        <p:nvPr/>
-      </p:nvGrpSpPr>
-      <p:grpSpPr>
-        <a:xfrm>
-          <a:off x="0" y="0"/>
-          <a:ext cx="0" cy="0"/>
-          <a:chOff x="0" y="0"/>
-          <a:chExt cx="0" cy="0"/>
-        </a:xfrm>
-      </p:grpSpPr>
-      <p:sp>
-        <p:nvSpPr>
-          <p:cNvPr id="386" name="Google Shape;386;p30"/>
-          <p:cNvSpPr txBox="1"/>
-          <p:nvPr>
-            <p:ph type="ctrTitle"/>
-          </p:nvPr>
-        </p:nvSpPr>
-        <p:spPr>
-          <a:xfrm>
-            <a:off x="824000" y="341931"/>
-            <a:ext cx="7389000" cy="795600"/>
-          </a:xfrm>
-          <a:prstGeom prst="rect">
-            <a:avLst/>
-          </a:prstGeom>
-        </p:spPr>
-        <p:txBody>
-          <a:bodyPr anchorCtr="0" anchor="ctr" bIns="91425" lIns="91425" spcFirstLastPara="1" rIns="91425" wrap="square" tIns="91425">
-            <a:normAutofit/>
-          </a:bodyPr>
-          <a:lstStyle/>
-          <a:p>
-            <a:pPr indent="0" lvl="0" marL="0" rtl="0" algn="l">
-              <a:spcBef>
-                <a:spcPts val="0"/>
-              </a:spcBef>
-              <a:spcAft>
-                <a:spcPts val="0"/>
-              </a:spcAft>
-              <a:buNone/>
-            </a:pPr>
-            <a:r>
-              <a:rPr lang="en">
-                <a:latin typeface="Georgia"/>
-                <a:ea typeface="Georgia"/>
-                <a:cs typeface="Georgia"/>
-                <a:sym typeface="Georgia"/>
-              </a:rPr>
-              <a:t>TOP DISCHARGED CASES</a:t>
-            </a:r>
-            <a:endParaRPr>
-              <a:latin typeface="Georgia"/>
-              <a:ea typeface="Georgia"/>
-              <a:cs typeface="Georgia"/>
-              <a:sym typeface="Georgia"/>
-            </a:endParaRPr>
-          </a:p>
-        </p:txBody>
-      </p:sp>
-      <p:sp>
-        <p:nvSpPr>
-          <p:cNvPr id="387" name="Google Shape;387;p30"/>
-          <p:cNvSpPr txBox="1"/>
-          <p:nvPr>
-            <p:ph idx="1" type="subTitle"/>
-          </p:nvPr>
-        </p:nvSpPr>
-        <p:spPr>
-          <a:xfrm>
-            <a:off x="824000" y="1440100"/>
-            <a:ext cx="7265700" cy="2851500"/>
-          </a:xfrm>
-          <a:prstGeom prst="rect">
-            <a:avLst/>
-          </a:prstGeom>
-        </p:spPr>
-        <p:txBody>
-          <a:bodyPr anchorCtr="0" anchor="t" bIns="91425" lIns="91425" spcFirstLastPara="1" rIns="91425" wrap="square" tIns="91425">
-            <a:normAutofit/>
-          </a:bodyPr>
-          <a:lstStyle/>
-          <a:p>
-            <a:pPr indent="0" lvl="0" marL="0" rtl="0" algn="l">
-              <a:spcBef>
-                <a:spcPts val="0"/>
-              </a:spcBef>
-              <a:spcAft>
-                <a:spcPts val="0"/>
-              </a:spcAft>
-              <a:buNone/>
-            </a:pPr>
-            <a:r>
-              <a:t/>
-            </a:r>
-            <a:endParaRPr/>
-          </a:p>
-        </p:txBody>
-      </p:sp>
-      <p:pic>
-        <p:nvPicPr>
-          <p:cNvPr id="388" name="Google Shape;388;p30"/>
-          <p:cNvPicPr preferRelativeResize="0"/>
-          <p:nvPr/>
-        </p:nvPicPr>
-        <p:blipFill>
-          <a:blip r:embed="rId3">
-            <a:alphaModFix/>
-          </a:blip>
-          <a:stretch>
-            <a:fillRect/>
-          </a:stretch>
-        </p:blipFill>
-        <p:spPr>
-          <a:xfrm>
-            <a:off x="559325" y="1047000"/>
-            <a:ext cx="8057027" cy="3485924"/>
-          </a:xfrm>
-          <a:prstGeom prst="rect">
-            <a:avLst/>
-          </a:prstGeom>
-          <a:noFill/>
-          <a:ln>
-            <a:noFill/>
-          </a:ln>
-        </p:spPr>
-      </p:pic>
     </p:spTree>
   </p:cSld>
   <p:clrMapOvr>
@@ -21183,8 +21140,8 @@
         </p:nvSpPr>
         <p:spPr>
           <a:xfrm>
-            <a:off x="726300" y="224300"/>
-            <a:ext cx="7691400" cy="1283100"/>
+            <a:off x="824000" y="1613825"/>
+            <a:ext cx="7315200" cy="1872900"/>
           </a:xfrm>
           <a:prstGeom prst="rect">
             <a:avLst/>
@@ -21196,7 +21153,7 @@
           </a:bodyPr>
           <a:lstStyle/>
           <a:p>
-            <a:pPr indent="0" lvl="0" marL="0" rtl="0" algn="l">
+            <a:pPr indent="0" lvl="0" marL="0" rtl="0" algn="ctr">
               <a:spcBef>
                 <a:spcPts val="0"/>
               </a:spcBef>
@@ -21212,7 +21169,7 @@
                 <a:cs typeface="Georgia"/>
                 <a:sym typeface="Georgia"/>
               </a:rPr>
-              <a:t>TOP DEATH CASES</a:t>
+              <a:t>CASE STATISTICS</a:t>
             </a:r>
             <a:endParaRPr>
               <a:latin typeface="Georgia"/>
@@ -21233,8 +21190,8 @@
         </p:nvSpPr>
         <p:spPr>
           <a:xfrm>
-            <a:off x="824000" y="1384075"/>
-            <a:ext cx="7377600" cy="2907600"/>
+            <a:off x="824000" y="3596300"/>
+            <a:ext cx="4255500" cy="695400"/>
           </a:xfrm>
           <a:prstGeom prst="rect">
             <a:avLst/>
@@ -21256,40 +21213,13 @@
               <a:buNone/>
             </a:pPr>
             <a:r>
-              <a:t/>
+              <a:rPr lang="en"/>
+              <a:t> </a:t>
             </a:r>
             <a:endParaRPr/>
           </a:p>
         </p:txBody>
       </p:sp>
-      <p:pic>
-        <p:nvPicPr>
-          <p:cNvPr id="395" name="Google Shape;395;p31"/>
-          <p:cNvPicPr preferRelativeResize="0"/>
-          <p:nvPr/>
-        </p:nvPicPr>
-        <p:blipFill>
-          <a:blip r:embed="rId3">
-            <a:alphaModFix/>
-          </a:blip>
-          <a:stretch>
-            <a:fillRect/>
-          </a:stretch>
-        </p:blipFill>
-        <p:spPr>
-          <a:xfrm>
-            <a:off x="726300" y="1047000"/>
-            <a:ext cx="7542676" cy="3244675"/>
-          </a:xfrm>
-          <a:prstGeom prst="rect">
-            <a:avLst/>
-          </a:prstGeom>
-          <a:noFill/>
-          <a:ln>
-            <a:noFill/>
-          </a:ln>
-        </p:spPr>
-      </p:pic>
     </p:spTree>
   </p:cSld>
   <p:clrMapOvr>
@@ -21664,9 +21594,16 @@
 <file path=ppt/slides/slide20.xml><?xml version="1.0" encoding="utf-8"?>
 <p:sld xmlns:a="http://schemas.openxmlformats.org/drawingml/2006/main" xmlns:r="http://schemas.openxmlformats.org/officeDocument/2006/relationships" xmlns:mc="http://schemas.openxmlformats.org/markup-compatibility/2006" xmlns:mv="urn:schemas-microsoft-com:mac:vml" xmlns:p="http://schemas.openxmlformats.org/presentationml/2006/main" xmlns:c="http://schemas.openxmlformats.org/drawingml/2006/chart" xmlns:dgm="http://schemas.openxmlformats.org/drawingml/2006/diagram" xmlns:o="urn:schemas-microsoft-com:office:office" xmlns:v="urn:schemas-microsoft-com:vml" xmlns:pvml="urn:schemas-microsoft-com:office:powerpoint" xmlns:com="http://schemas.openxmlformats.org/drawingml/2006/compatibility" xmlns:p14="http://schemas.microsoft.com/office/powerpoint/2010/main" xmlns:p15="http://schemas.microsoft.com/office/powerpoint/2012/main" xmlns:ahyp="http://schemas.microsoft.com/office/drawing/2018/hyperlinkcolor">
   <p:cSld>
+    <p:bg>
+      <p:bgPr>
+        <a:solidFill>
+          <a:schemeClr val="accent3"/>
+        </a:solidFill>
+      </p:bgPr>
+    </p:bg>
     <p:spTree>
       <p:nvGrpSpPr>
-        <p:cNvPr id="399" name="Shape 399"/>
+        <p:cNvPr id="398" name="Shape 398"/>
         <p:cNvGrpSpPr/>
         <p:nvPr/>
       </p:nvGrpSpPr>
@@ -21680,70 +21617,16 @@
       </p:grpSpPr>
       <p:sp>
         <p:nvSpPr>
-          <p:cNvPr id="400" name="Google Shape;400;p32"/>
+          <p:cNvPr id="399" name="Google Shape;399;p32"/>
           <p:cNvSpPr txBox="1"/>
           <p:nvPr>
-            <p:ph type="ctrTitle"/>
+            <p:ph type="title"/>
           </p:nvPr>
         </p:nvSpPr>
         <p:spPr>
           <a:xfrm>
-            <a:off x="824000" y="308332"/>
-            <a:ext cx="7725000" cy="616200"/>
-          </a:xfrm>
-          <a:prstGeom prst="rect">
-            <a:avLst/>
-          </a:prstGeom>
-        </p:spPr>
-        <p:txBody>
-          <a:bodyPr anchorCtr="0" anchor="ctr" bIns="91425" lIns="91425" spcFirstLastPara="1" rIns="91425" wrap="square" tIns="91425">
-            <a:normAutofit/>
-          </a:bodyPr>
-          <a:lstStyle/>
-          <a:p>
-            <a:pPr indent="0" lvl="0" marL="0" marR="914400" rtl="0" algn="l">
-              <a:lnSpc>
-                <a:spcPct val="165500"/>
-              </a:lnSpc>
-              <a:spcBef>
-                <a:spcPts val="0"/>
-              </a:spcBef>
-              <a:spcAft>
-                <a:spcPts val="0"/>
-              </a:spcAft>
-              <a:buNone/>
-            </a:pPr>
-            <a:r>
-              <a:rPr lang="en" sz="1600" u="sng">
-                <a:solidFill>
-                  <a:srgbClr val="000000"/>
-                </a:solidFill>
-                <a:highlight>
-                  <a:srgbClr val="FFFFFF"/>
-                </a:highlight>
-                <a:latin typeface="Arial"/>
-                <a:ea typeface="Arial"/>
-                <a:cs typeface="Arial"/>
-                <a:sym typeface="Arial"/>
-              </a:rPr>
-              <a:t>CASE STATISTICS</a:t>
-            </a:r>
-            <a:endParaRPr sz="4100"/>
-          </a:p>
-        </p:txBody>
-      </p:sp>
-      <p:sp>
-        <p:nvSpPr>
-          <p:cNvPr id="401" name="Google Shape;401;p32"/>
-          <p:cNvSpPr txBox="1"/>
-          <p:nvPr>
-            <p:ph idx="1" type="subTitle"/>
-          </p:nvPr>
-        </p:nvSpPr>
-        <p:spPr>
-          <a:xfrm>
-            <a:off x="824000" y="835000"/>
-            <a:ext cx="7725000" cy="3456900"/>
+            <a:off x="228600" y="386975"/>
+            <a:ext cx="8105700" cy="999300"/>
           </a:xfrm>
           <a:prstGeom prst="rect">
             <a:avLst/>
@@ -21755,7 +21638,7 @@
           </a:bodyPr>
           <a:lstStyle/>
           <a:p>
-            <a:pPr indent="-304800" lvl="0" marL="457200" marR="914400" rtl="0" algn="l">
+            <a:pPr indent="-317500" lvl="0" marL="457200" marR="914400" rtl="0" algn="l">
               <a:lnSpc>
                 <a:spcPct val="145500"/>
               </a:lnSpc>
@@ -21768,17 +21651,17 @@
               <a:buClr>
                 <a:srgbClr val="000000"/>
               </a:buClr>
-              <a:buSzPts val="1200"/>
+              <a:buSzPts val="1400"/>
               <a:buFont typeface="Arial"/>
               <a:buChar char="●"/>
             </a:pPr>
             <a:r>
-              <a:rPr lang="en" sz="1200">
+              <a:rPr b="0" lang="en" sz="1400">
                 <a:solidFill>
                   <a:srgbClr val="000000"/>
                 </a:solidFill>
                 <a:highlight>
-                  <a:srgbClr val="FFFFFF"/>
+                  <a:schemeClr val="lt1"/>
                 </a:highlight>
                 <a:latin typeface="Arial"/>
                 <a:ea typeface="Arial"/>
@@ -21787,12 +21670,12 @@
               </a:rPr>
               <a:t>The top 10 states with the highest number of confirmed cases are Lagos with	58713  cases, FCT with 19841 cases, Kaduna 9068 cases, Plateau 9060 cases, Rivers 7169 cases, Oyo 6855 cases, Edo 4907 cases, Ogun 4680 cases, Kan 3967 cases,and Ondo 3248 cases.</a:t>
             </a:r>
-            <a:endParaRPr sz="1200">
+            <a:endParaRPr b="0" sz="1400">
               <a:solidFill>
                 <a:srgbClr val="000000"/>
               </a:solidFill>
               <a:highlight>
-                <a:srgbClr val="FFFFFF"/>
+                <a:schemeClr val="lt1"/>
               </a:highlight>
               <a:latin typeface="Arial"/>
               <a:ea typeface="Arial"/>
@@ -21801,88 +21684,116 @@
             </a:endParaRPr>
           </a:p>
           <a:p>
-            <a:pPr indent="-304800" lvl="0" marL="457200" marR="914400" rtl="0" algn="l">
-              <a:lnSpc>
-                <a:spcPct val="145500"/>
-              </a:lnSpc>
-              <a:spcBef>
-                <a:spcPts val="0"/>
-              </a:spcBef>
-              <a:spcAft>
-                <a:spcPts val="0"/>
-              </a:spcAft>
-              <a:buClr>
-                <a:srgbClr val="000000"/>
-              </a:buClr>
-              <a:buSzPts val="1200"/>
-              <a:buFont typeface="Arial"/>
-              <a:buChar char="●"/>
+            <a:pPr indent="0" lvl="0" marL="0" rtl="0" algn="l">
+              <a:spcBef>
+                <a:spcPts val="0"/>
+              </a:spcBef>
+              <a:spcAft>
+                <a:spcPts val="0"/>
+              </a:spcAft>
+              <a:buNone/>
             </a:pPr>
             <a:r>
-              <a:rPr lang="en" sz="1200">
-                <a:solidFill>
-                  <a:srgbClr val="000000"/>
-                </a:solidFill>
-                <a:highlight>
-                  <a:srgbClr val="FFFFFF"/>
-                </a:highlight>
-                <a:latin typeface="Arial"/>
-                <a:ea typeface="Arial"/>
-                <a:cs typeface="Arial"/>
-                <a:sym typeface="Arial"/>
-              </a:rPr>
-              <a:t>The top 10 states with the highest discharged cases are Lagos with 56990, FCT 19104, Plateau 9002, Kaduna 9000, Rivers 7040, Oyo 6729, Edo 4715, Ogun 4627, Kano 3849, and Kwara 3067</a:t>
+              <a:t/>
             </a:r>
-            <a:endParaRPr sz="1200">
+            <a:endParaRPr sz="1400">
               <a:solidFill>
-                <a:srgbClr val="000000"/>
+                <a:schemeClr val="lt1"/>
               </a:solidFill>
-              <a:highlight>
-                <a:srgbClr val="FFFFFF"/>
-              </a:highlight>
-              <a:latin typeface="Arial"/>
-              <a:ea typeface="Arial"/>
-              <a:cs typeface="Arial"/>
-              <a:sym typeface="Arial"/>
             </a:endParaRPr>
           </a:p>
           <a:p>
-            <a:pPr indent="-304800" lvl="0" marL="457200" marR="914400" rtl="0" algn="l">
-              <a:lnSpc>
-                <a:spcPct val="145500"/>
-              </a:lnSpc>
-              <a:spcBef>
-                <a:spcPts val="0"/>
-              </a:spcBef>
-              <a:spcAft>
-                <a:spcPts val="0"/>
-              </a:spcAft>
-              <a:buClr>
-                <a:srgbClr val="000000"/>
-              </a:buClr>
-              <a:buSzPts val="1200"/>
-              <a:buFont typeface="Arial"/>
-              <a:buChar char="●"/>
+            <a:pPr indent="0" lvl="0" marL="0" rtl="0" algn="l">
+              <a:spcBef>
+                <a:spcPts val="0"/>
+              </a:spcBef>
+              <a:spcAft>
+                <a:spcPts val="0"/>
+              </a:spcAft>
+              <a:buNone/>
             </a:pPr>
             <a:r>
-              <a:rPr lang="en" sz="1200">
-                <a:solidFill>
-                  <a:srgbClr val="000000"/>
-                </a:solidFill>
-                <a:highlight>
-                  <a:srgbClr val="FFFFFF"/>
-                </a:highlight>
-                <a:latin typeface="Arial"/>
-                <a:ea typeface="Arial"/>
-                <a:cs typeface="Arial"/>
-                <a:sym typeface="Arial"/>
-              </a:rPr>
-              <a:t>The top 10 death cases are Lagos with 439, Edo 185, FCT 166, Oyo 124, Kano 110, Rivers	101, Delta 71, Kaduna 65, Ondo 6, Plateau 57</a:t>
+              <a:t/>
             </a:r>
-            <a:endParaRPr sz="1700"/>
+            <a:endParaRPr sz="1400">
+              <a:highlight>
+                <a:schemeClr val="lt1"/>
+              </a:highlight>
+              <a:latin typeface="Georgia"/>
+              <a:ea typeface="Georgia"/>
+              <a:cs typeface="Georgia"/>
+              <a:sym typeface="Georgia"/>
+            </a:endParaRPr>
           </a:p>
         </p:txBody>
       </p:sp>
+      <p:sp>
+        <p:nvSpPr>
+          <p:cNvPr id="400" name="Google Shape;400;p32"/>
+          <p:cNvSpPr txBox="1"/>
+          <p:nvPr>
+            <p:ph idx="1" type="body"/>
+          </p:nvPr>
+        </p:nvSpPr>
+        <p:spPr>
+          <a:xfrm>
+            <a:off x="1303800" y="1990050"/>
+            <a:ext cx="7030500" cy="2541600"/>
+          </a:xfrm>
+          <a:prstGeom prst="rect">
+            <a:avLst/>
+          </a:prstGeom>
+        </p:spPr>
+        <p:txBody>
+          <a:bodyPr anchorCtr="0" anchor="t" bIns="91425" lIns="91425" spcFirstLastPara="1" rIns="91425" wrap="square" tIns="91425">
+            <a:normAutofit/>
+          </a:bodyPr>
+          <a:lstStyle/>
+          <a:p>
+            <a:pPr indent="0" lvl="0" marL="0" rtl="0" algn="l">
+              <a:spcBef>
+                <a:spcPts val="0"/>
+              </a:spcBef>
+              <a:spcAft>
+                <a:spcPts val="1200"/>
+              </a:spcAft>
+              <a:buNone/>
+            </a:pPr>
+            <a:r>
+              <a:t/>
+            </a:r>
+            <a:endParaRPr/>
+          </a:p>
+        </p:txBody>
+      </p:sp>
+      <p:pic>
+        <p:nvPicPr>
+          <p:cNvPr id="401" name="Google Shape;401;p32"/>
+          <p:cNvPicPr preferRelativeResize="0"/>
+          <p:nvPr/>
+        </p:nvPicPr>
+        <p:blipFill>
+          <a:blip r:embed="rId3">
+            <a:alphaModFix/>
+          </a:blip>
+          <a:stretch>
+            <a:fillRect/>
+          </a:stretch>
+        </p:blipFill>
+        <p:spPr>
+          <a:xfrm>
+            <a:off x="0" y="1736106"/>
+            <a:ext cx="9144003" cy="3049489"/>
+          </a:xfrm>
+          <a:prstGeom prst="rect">
+            <a:avLst/>
+          </a:prstGeom>
+          <a:noFill/>
+          <a:ln>
+            <a:noFill/>
+          </a:ln>
+        </p:spPr>
+      </p:pic>
     </p:spTree>
   </p:cSld>
   <p:clrMapOvr>
@@ -21894,6 +21805,13 @@
 <file path=ppt/slides/slide21.xml><?xml version="1.0" encoding="utf-8"?>
 <p:sld xmlns:a="http://schemas.openxmlformats.org/drawingml/2006/main" xmlns:r="http://schemas.openxmlformats.org/officeDocument/2006/relationships" xmlns:mc="http://schemas.openxmlformats.org/markup-compatibility/2006" xmlns:mv="urn:schemas-microsoft-com:mac:vml" xmlns:p="http://schemas.openxmlformats.org/presentationml/2006/main" xmlns:c="http://schemas.openxmlformats.org/drawingml/2006/chart" xmlns:dgm="http://schemas.openxmlformats.org/drawingml/2006/diagram" xmlns:o="urn:schemas-microsoft-com:office:office" xmlns:v="urn:schemas-microsoft-com:vml" xmlns:pvml="urn:schemas-microsoft-com:office:powerpoint" xmlns:com="http://schemas.openxmlformats.org/drawingml/2006/compatibility" xmlns:p14="http://schemas.microsoft.com/office/powerpoint/2010/main" xmlns:p15="http://schemas.microsoft.com/office/powerpoint/2012/main" xmlns:ahyp="http://schemas.microsoft.com/office/drawing/2018/hyperlinkcolor">
   <p:cSld>
+    <p:bg>
+      <p:bgPr>
+        <a:solidFill>
+          <a:schemeClr val="accent3"/>
+        </a:solidFill>
+      </p:bgPr>
+    </p:bg>
     <p:spTree>
       <p:nvGrpSpPr>
         <p:cNvPr id="405" name="Shape 405"/>
@@ -21913,44 +21831,60 @@
           <p:cNvPr id="406" name="Google Shape;406;p33"/>
           <p:cNvSpPr txBox="1"/>
           <p:nvPr>
-            <p:ph type="ctrTitle"/>
+            <p:ph type="title"/>
           </p:nvPr>
         </p:nvSpPr>
         <p:spPr>
           <a:xfrm>
-            <a:off x="824000" y="297107"/>
-            <a:ext cx="7512300" cy="829200"/>
+            <a:off x="228500" y="598575"/>
+            <a:ext cx="8105700" cy="999300"/>
           </a:xfrm>
           <a:prstGeom prst="rect">
             <a:avLst/>
           </a:prstGeom>
         </p:spPr>
         <p:txBody>
-          <a:bodyPr anchorCtr="0" anchor="ctr" bIns="91425" lIns="91425" spcFirstLastPara="1" rIns="91425" wrap="square" tIns="91425">
+          <a:bodyPr anchorCtr="0" anchor="t" bIns="91425" lIns="91425" spcFirstLastPara="1" rIns="91425" wrap="square" tIns="91425">
             <a:noAutofit/>
           </a:bodyPr>
           <a:lstStyle/>
           <a:p>
-            <a:pPr indent="0" lvl="0" marL="0" rtl="0" algn="l">
-              <a:spcBef>
-                <a:spcPts val="0"/>
-              </a:spcBef>
-              <a:spcAft>
-                <a:spcPts val="0"/>
-              </a:spcAft>
-              <a:buSzPts val="990"/>
-              <a:buNone/>
+            <a:pPr indent="-317500" lvl="0" marL="457200" marR="914400" rtl="0" algn="l">
+              <a:lnSpc>
+                <a:spcPct val="145500"/>
+              </a:lnSpc>
+              <a:spcBef>
+                <a:spcPts val="0"/>
+              </a:spcBef>
+              <a:spcAft>
+                <a:spcPts val="0"/>
+              </a:spcAft>
+              <a:buClr>
+                <a:srgbClr val="000000"/>
+              </a:buClr>
+              <a:buSzPts val="1400"/>
+              <a:buFont typeface="Arial"/>
+              <a:buChar char="●"/>
             </a:pPr>
             <a:r>
-              <a:rPr lang="en" sz="2540">
-                <a:latin typeface="Georgia"/>
-                <a:ea typeface="Georgia"/>
-                <a:cs typeface="Georgia"/>
-                <a:sym typeface="Georgia"/>
+              <a:rPr b="0" lang="en" sz="1400">
+                <a:solidFill>
+                  <a:srgbClr val="000000"/>
+                </a:solidFill>
+                <a:highlight>
+                  <a:schemeClr val="lt1"/>
+                </a:highlight>
+                <a:latin typeface="Arial"/>
+                <a:ea typeface="Arial"/>
+                <a:cs typeface="Arial"/>
+                <a:sym typeface="Arial"/>
               </a:rPr>
-              <a:t>GRAPH OF COVID CASES AGAINST DATE</a:t>
+              <a:t>The top 10 states with the highest discharged cases are Lagos with 56990, FCT 19104, Plateau 9002, Kaduna 9000, Rivers 7040, Oyo 6729, Edo 4715, Ogun 4627, Kano 3849, and Kwara 3067</a:t>
             </a:r>
-            <a:endParaRPr sz="2540">
+            <a:endParaRPr sz="1400">
+              <a:highlight>
+                <a:schemeClr val="lt1"/>
+              </a:highlight>
               <a:latin typeface="Georgia"/>
               <a:ea typeface="Georgia"/>
               <a:cs typeface="Georgia"/>
@@ -21964,13 +21898,13 @@
           <p:cNvPr id="407" name="Google Shape;407;p33"/>
           <p:cNvSpPr txBox="1"/>
           <p:nvPr>
-            <p:ph idx="1" type="subTitle"/>
+            <p:ph idx="1" type="body"/>
           </p:nvPr>
         </p:nvSpPr>
         <p:spPr>
           <a:xfrm>
-            <a:off x="824000" y="1372875"/>
-            <a:ext cx="6526200" cy="2918700"/>
+            <a:off x="1303800" y="1990050"/>
+            <a:ext cx="7030500" cy="2541600"/>
           </a:xfrm>
           <a:prstGeom prst="rect">
             <a:avLst/>
@@ -21987,7 +21921,7 @@
                 <a:spcPts val="0"/>
               </a:spcBef>
               <a:spcAft>
-                <a:spcPts val="0"/>
+                <a:spcPts val="1200"/>
               </a:spcAft>
               <a:buNone/>
             </a:pPr>
@@ -22014,8 +21948,8 @@
         </p:blipFill>
         <p:spPr>
           <a:xfrm>
-            <a:off x="189525" y="1200150"/>
-            <a:ext cx="8684550" cy="3612925"/>
+            <a:off x="0" y="1736106"/>
+            <a:ext cx="9144003" cy="3049489"/>
           </a:xfrm>
           <a:prstGeom prst="rect">
             <a:avLst/>
@@ -22037,6 +21971,13 @@
 <file path=ppt/slides/slide22.xml><?xml version="1.0" encoding="utf-8"?>
 <p:sld xmlns:a="http://schemas.openxmlformats.org/drawingml/2006/main" xmlns:r="http://schemas.openxmlformats.org/officeDocument/2006/relationships" xmlns:mc="http://schemas.openxmlformats.org/markup-compatibility/2006" xmlns:mv="urn:schemas-microsoft-com:mac:vml" xmlns:p="http://schemas.openxmlformats.org/presentationml/2006/main" xmlns:c="http://schemas.openxmlformats.org/drawingml/2006/chart" xmlns:dgm="http://schemas.openxmlformats.org/drawingml/2006/diagram" xmlns:o="urn:schemas-microsoft-com:office:office" xmlns:v="urn:schemas-microsoft-com:vml" xmlns:pvml="urn:schemas-microsoft-com:office:powerpoint" xmlns:com="http://schemas.openxmlformats.org/drawingml/2006/compatibility" xmlns:p14="http://schemas.microsoft.com/office/powerpoint/2010/main" xmlns:p15="http://schemas.microsoft.com/office/powerpoint/2012/main" xmlns:ahyp="http://schemas.microsoft.com/office/drawing/2018/hyperlinkcolor">
   <p:cSld>
+    <p:bg>
+      <p:bgPr>
+        <a:solidFill>
+          <a:schemeClr val="accent3"/>
+        </a:solidFill>
+      </p:bgPr>
+    </p:bg>
     <p:spTree>
       <p:nvGrpSpPr>
         <p:cNvPr id="412" name="Shape 412"/>
@@ -22056,48 +21997,57 @@
           <p:cNvPr id="413" name="Google Shape;413;p34"/>
           <p:cNvSpPr txBox="1"/>
           <p:nvPr>
-            <p:ph type="ctrTitle"/>
+            <p:ph type="title"/>
           </p:nvPr>
         </p:nvSpPr>
         <p:spPr>
           <a:xfrm>
-            <a:off x="824000" y="330725"/>
-            <a:ext cx="7008000" cy="1098300"/>
+            <a:off x="342450" y="598575"/>
+            <a:ext cx="7992000" cy="999300"/>
           </a:xfrm>
           <a:prstGeom prst="rect">
             <a:avLst/>
           </a:prstGeom>
         </p:spPr>
         <p:txBody>
-          <a:bodyPr anchorCtr="0" anchor="ctr" bIns="91425" lIns="91425" spcFirstLastPara="1" rIns="91425" wrap="square" tIns="91425">
+          <a:bodyPr anchorCtr="0" anchor="t" bIns="91425" lIns="91425" spcFirstLastPara="1" rIns="91425" wrap="square" tIns="91425">
             <a:normAutofit/>
           </a:bodyPr>
           <a:lstStyle/>
           <a:p>
-            <a:pPr indent="0" lvl="0" marL="0" rtl="0" algn="l">
-              <a:spcBef>
-                <a:spcPts val="0"/>
-              </a:spcBef>
-              <a:spcAft>
-                <a:spcPts val="0"/>
-              </a:spcAft>
-              <a:buNone/>
+            <a:pPr indent="-317500" lvl="0" marL="457200" marR="914400" rtl="0" algn="l">
+              <a:lnSpc>
+                <a:spcPct val="145500"/>
+              </a:lnSpc>
+              <a:spcBef>
+                <a:spcPts val="0"/>
+              </a:spcBef>
+              <a:spcAft>
+                <a:spcPts val="0"/>
+              </a:spcAft>
+              <a:buClr>
+                <a:srgbClr val="000000"/>
+              </a:buClr>
+              <a:buSzPts val="1400"/>
+              <a:buFont typeface="Arial"/>
+              <a:buChar char="●"/>
             </a:pPr>
             <a:r>
-              <a:rPr lang="en">
-                <a:latin typeface="Georgia"/>
-                <a:ea typeface="Georgia"/>
-                <a:cs typeface="Georgia"/>
-                <a:sym typeface="Georgia"/>
+              <a:rPr b="0" lang="en" sz="1400">
+                <a:solidFill>
+                  <a:srgbClr val="000000"/>
+                </a:solidFill>
+                <a:highlight>
+                  <a:schemeClr val="lt1"/>
+                </a:highlight>
+                <a:latin typeface="Arial"/>
+                <a:ea typeface="Arial"/>
+                <a:cs typeface="Arial"/>
+                <a:sym typeface="Arial"/>
               </a:rPr>
-              <a:t>INFECTION RATE</a:t>
+              <a:t>The top 10 death cases are Lagos with 439, Edo 185, FCT 166, Oyo 124, Kano 110, Rivers	101, Delta 71, Kaduna 65, Ondo 6, Plateau 57</a:t>
             </a:r>
-            <a:endParaRPr>
-              <a:latin typeface="Georgia"/>
-              <a:ea typeface="Georgia"/>
-              <a:cs typeface="Georgia"/>
-              <a:sym typeface="Georgia"/>
-            </a:endParaRPr>
+            <a:endParaRPr b="0" sz="1400"/>
           </a:p>
         </p:txBody>
       </p:sp>
@@ -22106,13 +22056,13 @@
           <p:cNvPr id="414" name="Google Shape;414;p34"/>
           <p:cNvSpPr txBox="1"/>
           <p:nvPr>
-            <p:ph idx="1" type="subTitle"/>
+            <p:ph idx="1" type="body"/>
           </p:nvPr>
         </p:nvSpPr>
         <p:spPr>
           <a:xfrm>
-            <a:off x="824000" y="1294425"/>
-            <a:ext cx="7344000" cy="2997300"/>
+            <a:off x="1303800" y="1990050"/>
+            <a:ext cx="7030500" cy="2541600"/>
           </a:xfrm>
           <a:prstGeom prst="rect">
             <a:avLst/>
@@ -22129,7 +22079,7 @@
                 <a:spcPts val="0"/>
               </a:spcBef>
               <a:spcAft>
-                <a:spcPts val="0"/>
+                <a:spcPts val="1200"/>
               </a:spcAft>
               <a:buNone/>
             </a:pPr>
@@ -22156,8 +22106,8 @@
         </p:blipFill>
         <p:spPr>
           <a:xfrm>
-            <a:off x="560275" y="1294425"/>
-            <a:ext cx="8023425" cy="3317100"/>
+            <a:off x="0" y="1736106"/>
+            <a:ext cx="9144003" cy="3049489"/>
           </a:xfrm>
           <a:prstGeom prst="rect">
             <a:avLst/>
@@ -22203,8 +22153,8 @@
         </p:nvSpPr>
         <p:spPr>
           <a:xfrm>
-            <a:off x="824000" y="386744"/>
-            <a:ext cx="7545900" cy="403500"/>
+            <a:off x="560275" y="330725"/>
+            <a:ext cx="8023500" cy="1098300"/>
           </a:xfrm>
           <a:prstGeom prst="rect">
             <a:avLst/>
@@ -22212,11 +22162,14 @@
         </p:spPr>
         <p:txBody>
           <a:bodyPr anchorCtr="0" anchor="ctr" bIns="91425" lIns="91425" spcFirstLastPara="1" rIns="91425" wrap="square" tIns="91425">
-            <a:normAutofit fontScale="90000"/>
+            <a:noAutofit/>
           </a:bodyPr>
           <a:lstStyle/>
           <a:p>
-            <a:pPr indent="0" lvl="0" marL="0" rtl="0" algn="l">
+            <a:pPr indent="0" lvl="0" marL="0" marR="914400" rtl="0" algn="l">
+              <a:lnSpc>
+                <a:spcPct val="145500"/>
+              </a:lnSpc>
               <a:spcBef>
                 <a:spcPts val="0"/>
               </a:spcBef>
@@ -22226,10 +22179,61 @@
               <a:buNone/>
             </a:pPr>
             <a:r>
-              <a:rPr lang="en"/>
-              <a:t> </a:t>
+              <a:rPr b="0" lang="en" sz="1400">
+                <a:solidFill>
+                  <a:srgbClr val="000000"/>
+                </a:solidFill>
+                <a:highlight>
+                  <a:schemeClr val="lt1"/>
+                </a:highlight>
+                <a:latin typeface="Arial"/>
+                <a:ea typeface="Arial"/>
+                <a:cs typeface="Arial"/>
+                <a:sym typeface="Arial"/>
+              </a:rPr>
+              <a:t>The date with the maximum infection rate was on the 23rd of january 2021 with an infection rate of 2464.</a:t>
             </a:r>
-            <a:endParaRPr/>
+            <a:endParaRPr b="0" sz="1400">
+              <a:solidFill>
+                <a:srgbClr val="000000"/>
+              </a:solidFill>
+              <a:highlight>
+                <a:schemeClr val="lt1"/>
+              </a:highlight>
+              <a:latin typeface="Arial"/>
+              <a:ea typeface="Arial"/>
+              <a:cs typeface="Arial"/>
+              <a:sym typeface="Arial"/>
+            </a:endParaRPr>
+          </a:p>
+          <a:p>
+            <a:pPr indent="0" lvl="0" marL="0" marR="914400" rtl="0" algn="l">
+              <a:lnSpc>
+                <a:spcPct val="145500"/>
+              </a:lnSpc>
+              <a:spcBef>
+                <a:spcPts val="0"/>
+              </a:spcBef>
+              <a:spcAft>
+                <a:spcPts val="0"/>
+              </a:spcAft>
+              <a:buNone/>
+            </a:pPr>
+            <a:r>
+              <a:t/>
+            </a:r>
+            <a:endParaRPr b="0" sz="1400">
+              <a:solidFill>
+                <a:srgbClr val="000000"/>
+              </a:solidFill>
+              <a:highlight>
+                <a:schemeClr val="lt1"/>
+              </a:highlight>
+              <a:latin typeface="Arial"/>
+              <a:ea typeface="Arial"/>
+              <a:cs typeface="Arial"/>
+              <a:sym typeface="Arial"/>
+            </a:endParaRPr>
           </a:p>
         </p:txBody>
       </p:sp>
@@ -22243,8 +22247,8 @@
         </p:nvSpPr>
         <p:spPr>
           <a:xfrm>
-            <a:off x="824000" y="879825"/>
-            <a:ext cx="7377600" cy="3411900"/>
+            <a:off x="824000" y="1294425"/>
+            <a:ext cx="7344000" cy="2997300"/>
           </a:xfrm>
           <a:prstGeom prst="rect">
             <a:avLst/>
@@ -22288,8 +22292,8 @@
         </p:blipFill>
         <p:spPr>
           <a:xfrm>
-            <a:off x="0" y="1014300"/>
-            <a:ext cx="9144001" cy="3350550"/>
+            <a:off x="560275" y="1294425"/>
+            <a:ext cx="8023425" cy="3317100"/>
           </a:xfrm>
           <a:prstGeom prst="rect">
             <a:avLst/>
@@ -22335,8 +22339,8 @@
         </p:nvSpPr>
         <p:spPr>
           <a:xfrm>
-            <a:off x="824000" y="341932"/>
-            <a:ext cx="6907200" cy="414600"/>
+            <a:off x="824000" y="386744"/>
+            <a:ext cx="7545900" cy="403500"/>
           </a:xfrm>
           <a:prstGeom prst="rect">
             <a:avLst/>
@@ -22375,8 +22379,8 @@
         </p:nvSpPr>
         <p:spPr>
           <a:xfrm>
-            <a:off x="824000" y="1148750"/>
-            <a:ext cx="7669200" cy="3143100"/>
+            <a:off x="156650" y="386750"/>
+            <a:ext cx="7377600" cy="732900"/>
           </a:xfrm>
           <a:prstGeom prst="rect">
             <a:avLst/>
@@ -22388,7 +22392,7 @@
           </a:bodyPr>
           <a:lstStyle/>
           <a:p>
-            <a:pPr indent="-336550" lvl="0" marL="457200" marR="914400" rtl="0" algn="l">
+            <a:pPr indent="0" lvl="0" marL="0" marR="914400" rtl="0" algn="l">
               <a:lnSpc>
                 <a:spcPct val="145500"/>
               </a:lnSpc>
@@ -22398,112 +22402,15 @@
               <a:spcAft>
                 <a:spcPts val="0"/>
               </a:spcAft>
-              <a:buClr>
-                <a:srgbClr val="000000"/>
-              </a:buClr>
-              <a:buSzPts val="1700"/>
-              <a:buFont typeface="Arial"/>
-              <a:buChar char="●"/>
+              <a:buNone/>
             </a:pPr>
             <a:r>
-              <a:rPr lang="en" sz="1700">
+              <a:rPr lang="en" sz="1400">
                 <a:solidFill>
                   <a:srgbClr val="000000"/>
                 </a:solidFill>
                 <a:highlight>
-                  <a:srgbClr val="FFFFFF"/>
-                </a:highlight>
-                <a:latin typeface="Arial"/>
-                <a:ea typeface="Arial"/>
-                <a:cs typeface="Arial"/>
-                <a:sym typeface="Arial"/>
-              </a:rPr>
-              <a:t>Maximum infection rate is 2464 we look further to discover when this occured</a:t>
-            </a:r>
-            <a:endParaRPr sz="1700">
-              <a:solidFill>
-                <a:srgbClr val="000000"/>
-              </a:solidFill>
-              <a:highlight>
-                <a:srgbClr val="FFFFFF"/>
-              </a:highlight>
-              <a:latin typeface="Arial"/>
-              <a:ea typeface="Arial"/>
-              <a:cs typeface="Arial"/>
-              <a:sym typeface="Arial"/>
-            </a:endParaRPr>
-          </a:p>
-          <a:p>
-            <a:pPr indent="-336550" lvl="0" marL="457200" marR="914400" rtl="0" algn="l">
-              <a:lnSpc>
-                <a:spcPct val="145500"/>
-              </a:lnSpc>
-              <a:spcBef>
-                <a:spcPts val="0"/>
-              </a:spcBef>
-              <a:spcAft>
-                <a:spcPts val="0"/>
-              </a:spcAft>
-              <a:buClr>
-                <a:srgbClr val="000000"/>
-              </a:buClr>
-              <a:buSzPts val="1700"/>
-              <a:buFont typeface="Arial"/>
-              <a:buChar char="●"/>
-            </a:pPr>
-            <a:r>
-              <a:rPr lang="en" sz="1700">
-                <a:solidFill>
-                  <a:srgbClr val="000000"/>
-                </a:solidFill>
-                <a:highlight>
-                  <a:srgbClr val="FFFFFF"/>
-                </a:highlight>
-                <a:latin typeface="Arial"/>
-                <a:ea typeface="Arial"/>
-                <a:cs typeface="Arial"/>
-                <a:sym typeface="Arial"/>
-              </a:rPr>
-              <a:t>The date with the maximum infection rate was on the 23rd of january 2021 with an infection rate of 2464.</a:t>
-            </a:r>
-            <a:endParaRPr sz="1700">
-              <a:solidFill>
-                <a:srgbClr val="000000"/>
-              </a:solidFill>
-              <a:highlight>
-                <a:srgbClr val="FFFFFF"/>
-              </a:highlight>
-              <a:latin typeface="Arial"/>
-              <a:ea typeface="Arial"/>
-              <a:cs typeface="Arial"/>
-              <a:sym typeface="Arial"/>
-            </a:endParaRPr>
-          </a:p>
-          <a:p>
-            <a:pPr indent="-336550" lvl="0" marL="457200" marR="914400" rtl="0" algn="l">
-              <a:lnSpc>
-                <a:spcPct val="145500"/>
-              </a:lnSpc>
-              <a:spcBef>
-                <a:spcPts val="0"/>
-              </a:spcBef>
-              <a:spcAft>
-                <a:spcPts val="0"/>
-              </a:spcAft>
-              <a:buClr>
-                <a:srgbClr val="000000"/>
-              </a:buClr>
-              <a:buSzPts val="1700"/>
-              <a:buFont typeface="Arial"/>
-              <a:buChar char="●"/>
-            </a:pPr>
-            <a:r>
-              <a:rPr lang="en" sz="1700">
-                <a:solidFill>
-                  <a:srgbClr val="000000"/>
-                </a:solidFill>
-                <a:highlight>
-                  <a:srgbClr val="FFFFFF"/>
+                  <a:schemeClr val="lt1"/>
                 </a:highlight>
                 <a:latin typeface="Arial"/>
                 <a:ea typeface="Arial"/>
@@ -22512,10 +22419,38 @@
               </a:rPr>
               <a:t>Areas with low CCVI have relatively high number of confirmed cases</a:t>
             </a:r>
-            <a:endParaRPr sz="2100"/>
+            <a:endParaRPr sz="1400"/>
           </a:p>
         </p:txBody>
       </p:sp>
+      <p:pic>
+        <p:nvPicPr>
+          <p:cNvPr id="429" name="Google Shape;429;p36"/>
+          <p:cNvPicPr preferRelativeResize="0"/>
+          <p:nvPr/>
+        </p:nvPicPr>
+        <p:blipFill>
+          <a:blip r:embed="rId3">
+            <a:alphaModFix/>
+          </a:blip>
+          <a:stretch>
+            <a:fillRect/>
+          </a:stretch>
+        </p:blipFill>
+        <p:spPr>
+          <a:xfrm>
+            <a:off x="24950" y="1229725"/>
+            <a:ext cx="9144001" cy="3669400"/>
+          </a:xfrm>
+          <a:prstGeom prst="rect">
+            <a:avLst/>
+          </a:prstGeom>
+          <a:noFill/>
+          <a:ln>
+            <a:noFill/>
+          </a:ln>
+        </p:spPr>
+      </p:pic>
     </p:spTree>
   </p:cSld>
   <p:clrMapOvr>
@@ -22529,7 +22464,7 @@
   <p:cSld>
     <p:spTree>
       <p:nvGrpSpPr>
-        <p:cNvPr id="432" name="Shape 432"/>
+        <p:cNvPr id="433" name="Shape 433"/>
         <p:cNvGrpSpPr/>
         <p:nvPr/>
       </p:nvGrpSpPr>
@@ -22543,7 +22478,7 @@
       </p:grpSpPr>
       <p:sp>
         <p:nvSpPr>
-          <p:cNvPr id="433" name="Google Shape;433;p37"/>
+          <p:cNvPr id="434" name="Google Shape;434;p37"/>
           <p:cNvSpPr txBox="1"/>
           <p:nvPr>
             <p:ph type="ctrTitle"/>
@@ -22612,7 +22547,7 @@
       </p:sp>
       <p:sp>
         <p:nvSpPr>
-          <p:cNvPr id="434" name="Google Shape;434;p37"/>
+          <p:cNvPr id="435" name="Google Shape;435;p37"/>
           <p:cNvSpPr txBox="1"/>
           <p:nvPr>
             <p:ph idx="1" type="subTitle"/>
@@ -22927,7 +22862,7 @@
   <p:cSld>
     <p:spTree>
       <p:nvGrpSpPr>
-        <p:cNvPr id="438" name="Shape 438"/>
+        <p:cNvPr id="439" name="Shape 439"/>
         <p:cNvGrpSpPr/>
         <p:nvPr/>
       </p:nvGrpSpPr>
@@ -22941,7 +22876,7 @@
       </p:grpSpPr>
       <p:sp>
         <p:nvSpPr>
-          <p:cNvPr id="439" name="Google Shape;439;p38"/>
+          <p:cNvPr id="440" name="Google Shape;440;p38"/>
           <p:cNvSpPr txBox="1"/>
           <p:nvPr>
             <p:ph type="ctrTitle"/>
@@ -22981,7 +22916,7 @@
       </p:sp>
       <p:sp>
         <p:nvSpPr>
-          <p:cNvPr id="440" name="Google Shape;440;p38"/>
+          <p:cNvPr id="441" name="Google Shape;441;p38"/>
           <p:cNvSpPr txBox="1"/>
           <p:nvPr>
             <p:ph idx="1" type="subTitle"/>
@@ -23020,7 +22955,7 @@
       </p:sp>
       <p:pic>
         <p:nvPicPr>
-          <p:cNvPr id="441" name="Google Shape;441;p38"/>
+          <p:cNvPr id="442" name="Google Shape;442;p38"/>
           <p:cNvPicPr preferRelativeResize="0"/>
           <p:nvPr/>
         </p:nvPicPr>
@@ -23034,8 +22969,8 @@
         </p:blipFill>
         <p:spPr>
           <a:xfrm>
-            <a:off x="274550" y="1265375"/>
-            <a:ext cx="8594898" cy="3654024"/>
+            <a:off x="120200" y="1462525"/>
+            <a:ext cx="8686224" cy="3657600"/>
           </a:xfrm>
           <a:prstGeom prst="rect">
             <a:avLst/>
@@ -23059,7 +22994,7 @@
   <p:cSld>
     <p:spTree>
       <p:nvGrpSpPr>
-        <p:cNvPr id="445" name="Shape 445"/>
+        <p:cNvPr id="446" name="Shape 446"/>
         <p:cNvGrpSpPr/>
         <p:nvPr/>
       </p:nvGrpSpPr>
@@ -23073,7 +23008,7 @@
       </p:grpSpPr>
       <p:sp>
         <p:nvSpPr>
-          <p:cNvPr id="446" name="Google Shape;446;p39"/>
+          <p:cNvPr id="447" name="Google Shape;447;p39"/>
           <p:cNvSpPr txBox="1"/>
           <p:nvPr>
             <p:ph type="ctrTitle"/>
@@ -23123,7 +23058,7 @@
       </p:sp>
       <p:sp>
         <p:nvSpPr>
-          <p:cNvPr id="447" name="Google Shape;447;p39"/>
+          <p:cNvPr id="448" name="Google Shape;448;p39"/>
           <p:cNvSpPr txBox="1"/>
           <p:nvPr>
             <p:ph idx="1" type="subTitle"/>
@@ -23162,7 +23097,7 @@
       </p:sp>
       <p:pic>
         <p:nvPicPr>
-          <p:cNvPr id="448" name="Google Shape;448;p39"/>
+          <p:cNvPr id="449" name="Google Shape;449;p39"/>
           <p:cNvPicPr preferRelativeResize="0"/>
           <p:nvPr/>
         </p:nvPicPr>
@@ -23201,7 +23136,7 @@
   <p:cSld>
     <p:spTree>
       <p:nvGrpSpPr>
-        <p:cNvPr id="452" name="Shape 452"/>
+        <p:cNvPr id="453" name="Shape 453"/>
         <p:cNvGrpSpPr/>
         <p:nvPr/>
       </p:nvGrpSpPr>
@@ -23215,7 +23150,7 @@
       </p:grpSpPr>
       <p:sp>
         <p:nvSpPr>
-          <p:cNvPr id="453" name="Google Shape;453;p40"/>
+          <p:cNvPr id="454" name="Google Shape;454;p40"/>
           <p:cNvSpPr txBox="1"/>
           <p:nvPr>
             <p:ph type="ctrTitle"/>
@@ -23265,7 +23200,7 @@
       </p:sp>
       <p:sp>
         <p:nvSpPr>
-          <p:cNvPr id="454" name="Google Shape;454;p40"/>
+          <p:cNvPr id="455" name="Google Shape;455;p40"/>
           <p:cNvSpPr txBox="1"/>
           <p:nvPr>
             <p:ph idx="1" type="subTitle"/>
@@ -23304,7 +23239,7 @@
       </p:sp>
       <p:pic>
         <p:nvPicPr>
-          <p:cNvPr id="455" name="Google Shape;455;p40"/>
+          <p:cNvPr id="456" name="Google Shape;456;p40"/>
           <p:cNvPicPr preferRelativeResize="0"/>
           <p:nvPr/>
         </p:nvPicPr>
@@ -23343,7 +23278,7 @@
   <p:cSld>
     <p:spTree>
       <p:nvGrpSpPr>
-        <p:cNvPr id="459" name="Shape 459"/>
+        <p:cNvPr id="460" name="Shape 460"/>
         <p:cNvGrpSpPr/>
         <p:nvPr/>
       </p:nvGrpSpPr>
@@ -23357,7 +23292,7 @@
       </p:grpSpPr>
       <p:sp>
         <p:nvSpPr>
-          <p:cNvPr id="460" name="Google Shape;460;p41"/>
+          <p:cNvPr id="461" name="Google Shape;461;p41"/>
           <p:cNvSpPr txBox="1"/>
           <p:nvPr>
             <p:ph type="ctrTitle"/>
@@ -23411,7 +23346,7 @@
       </p:sp>
       <p:sp>
         <p:nvSpPr>
-          <p:cNvPr id="461" name="Google Shape;461;p41"/>
+          <p:cNvPr id="462" name="Google Shape;462;p41"/>
           <p:cNvSpPr txBox="1"/>
           <p:nvPr>
             <p:ph idx="1" type="subTitle"/>
@@ -24208,7 +24143,7 @@
   <p:cSld>
     <p:spTree>
       <p:nvGrpSpPr>
-        <p:cNvPr id="465" name="Shape 465"/>
+        <p:cNvPr id="466" name="Shape 466"/>
         <p:cNvGrpSpPr/>
         <p:nvPr/>
       </p:nvGrpSpPr>
@@ -24222,7 +24157,7 @@
       </p:grpSpPr>
       <p:sp>
         <p:nvSpPr>
-          <p:cNvPr id="466" name="Google Shape;466;p42"/>
+          <p:cNvPr id="467" name="Google Shape;467;p42"/>
           <p:cNvSpPr txBox="1"/>
           <p:nvPr>
             <p:ph type="ctrTitle"/>
@@ -24261,7 +24196,7 @@
       </p:sp>
       <p:sp>
         <p:nvSpPr>
-          <p:cNvPr id="467" name="Google Shape;467;p42"/>
+          <p:cNvPr id="468" name="Google Shape;468;p42"/>
           <p:cNvSpPr txBox="1"/>
           <p:nvPr>
             <p:ph idx="1" type="subTitle"/>
@@ -24300,7 +24235,7 @@
       </p:sp>
       <p:pic>
         <p:nvPicPr>
-          <p:cNvPr id="468" name="Google Shape;468;p42"/>
+          <p:cNvPr id="469" name="Google Shape;469;p42"/>
           <p:cNvPicPr preferRelativeResize="0"/>
           <p:nvPr/>
         </p:nvPicPr>
@@ -24339,7 +24274,7 @@
   <p:cSld>
     <p:spTree>
       <p:nvGrpSpPr>
-        <p:cNvPr id="472" name="Shape 472"/>
+        <p:cNvPr id="473" name="Shape 473"/>
         <p:cNvGrpSpPr/>
         <p:nvPr/>
       </p:nvGrpSpPr>
@@ -24353,7 +24288,7 @@
       </p:grpSpPr>
       <p:sp>
         <p:nvSpPr>
-          <p:cNvPr id="473" name="Google Shape;473;p43"/>
+          <p:cNvPr id="474" name="Google Shape;474;p43"/>
           <p:cNvSpPr txBox="1"/>
           <p:nvPr>
             <p:ph type="ctrTitle"/>
@@ -24402,7 +24337,7 @@
       </p:sp>
       <p:sp>
         <p:nvSpPr>
-          <p:cNvPr id="474" name="Google Shape;474;p43"/>
+          <p:cNvPr id="475" name="Google Shape;475;p43"/>
           <p:cNvSpPr txBox="1"/>
           <p:nvPr>
             <p:ph idx="1" type="subTitle"/>
@@ -24697,7 +24632,7 @@
   <p:cSld>
     <p:spTree>
       <p:nvGrpSpPr>
-        <p:cNvPr id="478" name="Shape 478"/>
+        <p:cNvPr id="479" name="Shape 479"/>
         <p:cNvGrpSpPr/>
         <p:nvPr/>
       </p:nvGrpSpPr>
@@ -24711,7 +24646,7 @@
       </p:grpSpPr>
       <p:sp>
         <p:nvSpPr>
-          <p:cNvPr id="479" name="Google Shape;479;p44"/>
+          <p:cNvPr id="480" name="Google Shape;480;p44"/>
           <p:cNvSpPr txBox="1"/>
           <p:nvPr>
             <p:ph type="ctrTitle"/>
@@ -24760,7 +24695,7 @@
       </p:sp>
       <p:sp>
         <p:nvSpPr>
-          <p:cNvPr id="480" name="Google Shape;480;p44"/>
+          <p:cNvPr id="481" name="Google Shape;481;p44"/>
           <p:cNvSpPr txBox="1"/>
           <p:nvPr>
             <p:ph idx="1" type="subTitle"/>
@@ -24880,7 +24815,7 @@
     </p:bg>
     <p:spTree>
       <p:nvGrpSpPr>
-        <p:cNvPr id="484" name="Shape 484"/>
+        <p:cNvPr id="485" name="Shape 485"/>
         <p:cNvGrpSpPr/>
         <p:nvPr/>
       </p:nvGrpSpPr>
@@ -24894,7 +24829,7 @@
       </p:grpSpPr>
       <p:sp>
         <p:nvSpPr>
-          <p:cNvPr id="485" name="Google Shape;485;p45"/>
+          <p:cNvPr id="486" name="Google Shape;486;p45"/>
           <p:cNvSpPr txBox="1"/>
           <p:nvPr>
             <p:ph type="title"/>
@@ -25044,8 +24979,8 @@
         </p:nvSpPr>
         <p:spPr>
           <a:xfrm>
-            <a:off x="824000" y="695400"/>
-            <a:ext cx="7623600" cy="3596400"/>
+            <a:off x="824000" y="554575"/>
+            <a:ext cx="7623600" cy="3737100"/>
           </a:xfrm>
           <a:prstGeom prst="rect">
             <a:avLst/>
@@ -25326,7 +25261,7 @@
           <a:p>
             <a:pPr indent="0" lvl="0" marL="0" rtl="0" algn="l">
               <a:lnSpc>
-                <a:spcPct val="165500"/>
+                <a:spcPct val="138000"/>
               </a:lnSpc>
               <a:spcBef>
                 <a:spcPts val="0"/>
@@ -25349,7 +25284,7 @@
                 <a:cs typeface="Times New Roman"/>
                 <a:sym typeface="Times New Roman"/>
               </a:rPr>
-              <a:t>This dataset is obtained from a github repository that encompasses all cases(confirmed,discharged and death) of several affected countries around the globe from . But the cause of this study is limited to just Nigeria’s, hence it is extracted.</a:t>
+              <a:t>This dataset is obtained from scraping the github repository that encompasses all cases(confirmed, discharged, and death) of several affected countries around the globe from the John Hopkins repository. But the cause of this study is limited to just Nigeria’s, hence it is extracted.</a:t>
             </a:r>
             <a:endParaRPr sz="1200">
               <a:solidFill>
@@ -25595,8 +25530,8 @@
         </p:nvSpPr>
         <p:spPr>
           <a:xfrm>
-            <a:off x="311700" y="744575"/>
-            <a:ext cx="3284400" cy="1107300"/>
+            <a:off x="311700" y="180200"/>
+            <a:ext cx="3284400" cy="1101900"/>
           </a:xfrm>
           <a:prstGeom prst="rect">
             <a:avLst/>
@@ -25654,7 +25589,7 @@
         </p:nvSpPr>
         <p:spPr>
           <a:xfrm>
-            <a:off x="311700" y="1742675"/>
+            <a:off x="311700" y="1140450"/>
             <a:ext cx="8520600" cy="1884300"/>
           </a:xfrm>
           <a:prstGeom prst="rect">
@@ -25745,9 +25680,9 @@
             </a:endParaRPr>
           </a:p>
           <a:p>
-            <a:pPr indent="-295275" lvl="0" marL="457200" rtl="0" algn="l">
+            <a:pPr indent="-298450" lvl="0" marL="457200" rtl="0" algn="l">
               <a:lnSpc>
-                <a:spcPct val="165500"/>
+                <a:spcPct val="138000"/>
               </a:lnSpc>
               <a:spcBef>
                 <a:spcPts val="0"/>
@@ -25758,41 +25693,102 @@
               <a:buClr>
                 <a:srgbClr val="000000"/>
               </a:buClr>
-              <a:buSzPts val="1050"/>
+              <a:buSzPts val="1100"/>
+              <a:buFont typeface="Arial"/>
               <a:buChar char="●"/>
             </a:pPr>
             <a:r>
-              <a:rPr lang="en" sz="1050">
+              <a:rPr lang="en" sz="1100">
                 <a:solidFill>
                   <a:srgbClr val="000000"/>
                 </a:solidFill>
                 <a:highlight>
                   <a:srgbClr val="FFFFFF"/>
                 </a:highlight>
+                <a:latin typeface="Arial"/>
+                <a:ea typeface="Arial"/>
+                <a:cs typeface="Arial"/>
+                <a:sym typeface="Arial"/>
               </a:rPr>
-              <a:t>The John Hopkins data and the covid external data were downloaded from their respective repositories and pd.read_csv was used to extract</a:t>
+              <a:t>The John Hopkins dataset was scrapped from the John Hopkins repository </a:t>
             </a:r>
             <a:r>
-              <a:rPr lang="en" sz="1050">
+              <a:rPr lang="en" sz="1100" u="sng">
+                <a:solidFill>
+                  <a:srgbClr val="1155CC"/>
+                </a:solidFill>
+                <a:highlight>
+                  <a:srgbClr val="FFFFFF"/>
+                </a:highlight>
+                <a:latin typeface="Arial"/>
+                <a:ea typeface="Arial"/>
+                <a:cs typeface="Arial"/>
+                <a:sym typeface="Arial"/>
+                <a:hlinkClick r:id="rId3">
+                  <a:extLst>
+                    <a:ext uri="{A12FA001-AC4F-418D-AE19-62706E023703}">
+                      <ahyp:hlinkClr val="tx"/>
+                    </a:ext>
+                  </a:extLst>
+                </a:hlinkClick>
+              </a:rPr>
+              <a:t>https://github.com/CSSEGISandData/COVID-19/tree/master/csse_covid_19_data</a:t>
+            </a:r>
+            <a:r>
+              <a:rPr lang="en" sz="1100">
                 <a:solidFill>
                   <a:srgbClr val="000000"/>
                 </a:solidFill>
                 <a:highlight>
                   <a:srgbClr val="FFFFFF"/>
                 </a:highlight>
+                <a:latin typeface="Arial"/>
+                <a:ea typeface="Arial"/>
+                <a:cs typeface="Arial"/>
+                <a:sym typeface="Arial"/>
               </a:rPr>
-              <a:t> </a:t>
+              <a:t> which the raw data of the global confirmed, recovered and death cases were scrapped using pd.read_html().</a:t>
             </a:r>
+            <a:endParaRPr sz="1100">
+              <a:solidFill>
+                <a:srgbClr val="000000"/>
+              </a:solidFill>
+              <a:highlight>
+                <a:srgbClr val="FFFFFF"/>
+              </a:highlight>
+              <a:latin typeface="Arial"/>
+              <a:ea typeface="Arial"/>
+              <a:cs typeface="Arial"/>
+              <a:sym typeface="Arial"/>
+            </a:endParaRPr>
+          </a:p>
+          <a:p>
+            <a:pPr indent="0" lvl="0" marL="457200" rtl="0" algn="l">
+              <a:lnSpc>
+                <a:spcPct val="138000"/>
+              </a:lnSpc>
+              <a:spcBef>
+                <a:spcPts val="0"/>
+              </a:spcBef>
+              <a:spcAft>
+                <a:spcPts val="0"/>
+              </a:spcAft>
+              <a:buNone/>
+            </a:pPr>
             <a:r>
-              <a:rPr lang="en" sz="1050">
+              <a:rPr lang="en" sz="1100">
                 <a:solidFill>
                   <a:srgbClr val="000000"/>
                 </a:solidFill>
                 <a:highlight>
                   <a:srgbClr val="FFFFFF"/>
                 </a:highlight>
+                <a:latin typeface="Arial"/>
+                <a:ea typeface="Arial"/>
+                <a:cs typeface="Arial"/>
+                <a:sym typeface="Arial"/>
               </a:rPr>
-              <a:t>it from the device’s storage. </a:t>
+              <a:t>BeautifulSoup approach failed to capture all of the raw data for the confirmed and recovered cases leaving out the last date data entry, hence the imposition of the pd.read_html() functions coupled with a lot of python editing to extract the data effectively. </a:t>
             </a:r>
             <a:endParaRPr sz="1050">
               <a:solidFill>
@@ -25804,9 +25800,9 @@
             </a:endParaRPr>
           </a:p>
           <a:p>
-            <a:pPr indent="-295275" lvl="0" marL="457200" rtl="0" algn="l">
+            <a:pPr indent="-298450" lvl="0" marL="457200" rtl="0" algn="l">
               <a:lnSpc>
-                <a:spcPct val="165500"/>
+                <a:spcPct val="138000"/>
               </a:lnSpc>
               <a:spcBef>
                 <a:spcPts val="0"/>
@@ -25814,49 +25810,86 @@
               <a:spcAft>
                 <a:spcPts val="0"/>
               </a:spcAft>
-              <a:buSzPts val="1050"/>
+              <a:buClr>
+                <a:srgbClr val="000000"/>
+              </a:buClr>
+              <a:buSzPts val="1100"/>
+              <a:buFont typeface="Arial"/>
               <a:buChar char="●"/>
             </a:pPr>
             <a:r>
-              <a:rPr lang="en" sz="1050">
+              <a:rPr lang="en" sz="1100">
                 <a:solidFill>
                   <a:srgbClr val="000000"/>
                 </a:solidFill>
                 <a:highlight>
                   <a:srgbClr val="FFFFFF"/>
                 </a:highlight>
+                <a:latin typeface="Arial"/>
+                <a:ea typeface="Arial"/>
+                <a:cs typeface="Arial"/>
+                <a:sym typeface="Arial"/>
               </a:rPr>
-              <a:t>U.S. Landed Costs of Nigeria Crude Oil (Dollars per Barrel) was downloaded from</a:t>
+              <a:t>Covid external data was downloaded from their respective repositories and pd.read_csv was used to extract it from the device’s storage.</a:t>
             </a:r>
+            <a:endParaRPr sz="1100">
+              <a:solidFill>
+                <a:srgbClr val="000000"/>
+              </a:solidFill>
+              <a:highlight>
+                <a:srgbClr val="FFFFFF"/>
+              </a:highlight>
+              <a:latin typeface="Arial"/>
+              <a:ea typeface="Arial"/>
+              <a:cs typeface="Arial"/>
+              <a:sym typeface="Arial"/>
+            </a:endParaRPr>
+          </a:p>
+          <a:p>
+            <a:pPr indent="-298450" lvl="0" marL="457200" rtl="0" algn="l">
+              <a:lnSpc>
+                <a:spcPct val="138000"/>
+              </a:lnSpc>
+              <a:spcBef>
+                <a:spcPts val="0"/>
+              </a:spcBef>
+              <a:spcAft>
+                <a:spcPts val="0"/>
+              </a:spcAft>
+              <a:buClr>
+                <a:srgbClr val="000000"/>
+              </a:buClr>
+              <a:buSzPts val="1100"/>
+              <a:buFont typeface="Arial"/>
+              <a:buChar char="●"/>
+            </a:pPr>
             <a:r>
-              <a:rPr lang="en" sz="1050">
+              <a:rPr lang="en" sz="1100">
                 <a:solidFill>
                   <a:srgbClr val="000000"/>
                 </a:solidFill>
                 <a:highlight>
                   <a:srgbClr val="FFFFFF"/>
                 </a:highlight>
-                <a:uFill>
-                  <a:noFill/>
-                </a:uFill>
-                <a:hlinkClick r:id="rId3">
-                  <a:extLst>
-                    <a:ext uri="{A12FA001-AC4F-418D-AE19-62706E023703}">
-                      <ahyp:hlinkClr val="tx"/>
-                    </a:ext>
-                  </a:extLst>
-                </a:hlinkClick>
+                <a:latin typeface="Arial"/>
+                <a:ea typeface="Arial"/>
+                <a:cs typeface="Arial"/>
+                <a:sym typeface="Arial"/>
               </a:rPr>
-              <a:t> </a:t>
+              <a:t>The U.S. Landed Costs of Nigeria Crude Oil (Dollars per Barrel) was downloaded from </a:t>
             </a:r>
             <a:r>
-              <a:rPr lang="en" sz="1050" u="sng">
+              <a:rPr lang="en" sz="1100" u="sng">
                 <a:solidFill>
                   <a:srgbClr val="1155CC"/>
                 </a:solidFill>
                 <a:highlight>
                   <a:srgbClr val="FFFFFF"/>
                 </a:highlight>
+                <a:latin typeface="Arial"/>
+                <a:ea typeface="Arial"/>
+                <a:cs typeface="Arial"/>
+                <a:sym typeface="Arial"/>
                 <a:hlinkClick r:id="rId4">
                   <a:extLst>
                     <a:ext uri="{A12FA001-AC4F-418D-AE19-62706E023703}">
@@ -25868,39 +25901,32 @@
               <a:t>https://www.cbn.gov.ng/rates/DailyCrude.asp</a:t>
             </a:r>
             <a:r>
-              <a:rPr lang="en" sz="1050">
+              <a:rPr lang="en" sz="1100">
                 <a:solidFill>
                   <a:srgbClr val="000000"/>
                 </a:solidFill>
                 <a:highlight>
                   <a:srgbClr val="FFFFFF"/>
                 </a:highlight>
+                <a:latin typeface="Arial"/>
+                <a:ea typeface="Arial"/>
+                <a:cs typeface="Arial"/>
+                <a:sym typeface="Arial"/>
               </a:rPr>
               <a:t> site and extracted from the device storage using pd.read_csv().</a:t>
             </a:r>
-            <a:endParaRPr sz="1050">
+            <a:endParaRPr sz="1100">
               <a:solidFill>
                 <a:srgbClr val="000000"/>
               </a:solidFill>
               <a:highlight>
                 <a:srgbClr val="FFFFFF"/>
               </a:highlight>
+              <a:latin typeface="Arial"/>
+              <a:ea typeface="Arial"/>
+              <a:cs typeface="Arial"/>
+              <a:sym typeface="Arial"/>
             </a:endParaRPr>
-          </a:p>
-          <a:p>
-            <a:pPr indent="0" lvl="0" marL="0" rtl="0" algn="l">
-              <a:spcBef>
-                <a:spcPts val="0"/>
-              </a:spcBef>
-              <a:spcAft>
-                <a:spcPts val="0"/>
-              </a:spcAft>
-              <a:buNone/>
-            </a:pPr>
-            <a:r>
-              <a:t/>
-            </a:r>
-            <a:endParaRPr sz="1050"/>
           </a:p>
         </p:txBody>
       </p:sp>
@@ -25939,7 +25965,7 @@
         </p:nvSpPr>
         <p:spPr>
           <a:xfrm>
-            <a:off x="311700" y="744575"/>
+            <a:off x="311700" y="207425"/>
             <a:ext cx="8520600" cy="1071900"/>
           </a:xfrm>
           <a:prstGeom prst="rect">
@@ -25994,8 +26020,8 @@
         </p:nvSpPr>
         <p:spPr>
           <a:xfrm>
-            <a:off x="311700" y="1991875"/>
-            <a:ext cx="8520600" cy="1634700"/>
+            <a:off x="311700" y="1161750"/>
+            <a:ext cx="8520600" cy="2485500"/>
           </a:xfrm>
           <a:prstGeom prst="rect">
             <a:avLst/>
@@ -26359,7 +26385,7 @@
         <p:spPr>
           <a:xfrm>
             <a:off x="311700" y="1683575"/>
-            <a:ext cx="8520600" cy="1943100"/>
+            <a:ext cx="8520600" cy="2745000"/>
           </a:xfrm>
           <a:prstGeom prst="rect">
             <a:avLst/>
@@ -26371,7 +26397,7 @@
           </a:bodyPr>
           <a:lstStyle/>
           <a:p>
-            <a:pPr indent="-304800" lvl="0" marL="457200" rtl="0" algn="l">
+            <a:pPr indent="-317500" lvl="0" marL="457200" rtl="0" algn="l">
               <a:lnSpc>
                 <a:spcPct val="165500"/>
               </a:lnSpc>
@@ -26384,12 +26410,12 @@
               <a:buClr>
                 <a:srgbClr val="0E101A"/>
               </a:buClr>
-              <a:buSzPts val="1200"/>
+              <a:buSzPts val="1400"/>
               <a:buFont typeface="Times New Roman"/>
               <a:buChar char="●"/>
             </a:pPr>
             <a:r>
-              <a:rPr lang="en" sz="1200">
+              <a:rPr lang="en" sz="1400">
                 <a:solidFill>
                   <a:srgbClr val="0E101A"/>
                 </a:solidFill>
@@ -26403,7 +26429,7 @@
               </a:rPr>
               <a:t>Basic insights derivation operations such as .info(), .describe() and viewing the complete data</a:t>
             </a:r>
-            <a:endParaRPr sz="1200">
+            <a:endParaRPr sz="1400">
               <a:solidFill>
                 <a:srgbClr val="0E101A"/>
               </a:solidFill>
@@ -26417,7 +26443,7 @@
             </a:endParaRPr>
           </a:p>
           <a:p>
-            <a:pPr indent="-304800" lvl="0" marL="457200" rtl="0" algn="l">
+            <a:pPr indent="-317500" lvl="0" marL="457200" rtl="0" algn="l">
               <a:lnSpc>
                 <a:spcPct val="165500"/>
               </a:lnSpc>
@@ -26430,12 +26456,12 @@
               <a:buClr>
                 <a:srgbClr val="0E101A"/>
               </a:buClr>
-              <a:buSzPts val="1200"/>
+              <a:buSzPts val="1400"/>
               <a:buFont typeface="Times New Roman"/>
               <a:buChar char="●"/>
             </a:pPr>
             <a:r>
-              <a:rPr lang="en" sz="1200">
+              <a:rPr lang="en" sz="1400">
                 <a:solidFill>
                   <a:srgbClr val="0E101A"/>
                 </a:solidFill>
@@ -26449,7 +26475,7 @@
               </a:rPr>
               <a:t>Plotted a bar charts of all the states affected to number of confirmed cases, no of discharged cases and number of deaths</a:t>
             </a:r>
-            <a:endParaRPr sz="1200">
+            <a:endParaRPr sz="1400">
               <a:solidFill>
                 <a:srgbClr val="0E101A"/>
               </a:solidFill>
@@ -26463,7 +26489,7 @@
             </a:endParaRPr>
           </a:p>
           <a:p>
-            <a:pPr indent="-304800" lvl="0" marL="457200" rtl="0" algn="l">
+            <a:pPr indent="-317500" lvl="0" marL="457200" rtl="0" algn="l">
               <a:lnSpc>
                 <a:spcPct val="165500"/>
               </a:lnSpc>
@@ -26476,12 +26502,12 @@
               <a:buClr>
                 <a:srgbClr val="0E101A"/>
               </a:buClr>
-              <a:buSzPts val="1200"/>
+              <a:buSzPts val="1400"/>
               <a:buFont typeface="Times New Roman"/>
               <a:buChar char="●"/>
             </a:pPr>
             <a:r>
-              <a:rPr lang="en" sz="1200">
+              <a:rPr lang="en" sz="1400">
                 <a:solidFill>
                   <a:srgbClr val="0E101A"/>
                 </a:solidFill>
@@ -26495,7 +26521,7 @@
               </a:rPr>
               <a:t>Performed correlation analysis using scatterplots</a:t>
             </a:r>
-            <a:endParaRPr sz="1200">
+            <a:endParaRPr sz="1400">
               <a:solidFill>
                 <a:srgbClr val="0E101A"/>
               </a:solidFill>
@@ -26509,7 +26535,7 @@
             </a:endParaRPr>
           </a:p>
           <a:p>
-            <a:pPr indent="-304800" lvl="0" marL="457200" rtl="0" algn="l">
+            <a:pPr indent="-317500" lvl="0" marL="457200" rtl="0" algn="l">
               <a:lnSpc>
                 <a:spcPct val="165500"/>
               </a:lnSpc>
@@ -26522,12 +26548,12 @@
               <a:buClr>
                 <a:srgbClr val="0E101A"/>
               </a:buClr>
-              <a:buSzPts val="1200"/>
+              <a:buSzPts val="1400"/>
               <a:buFont typeface="Times New Roman"/>
               <a:buChar char="●"/>
             </a:pPr>
             <a:r>
-              <a:rPr lang="en" sz="1200">
+              <a:rPr lang="en" sz="1400">
                 <a:solidFill>
                   <a:srgbClr val="0E101A"/>
                 </a:solidFill>
@@ -26541,7 +26567,7 @@
               </a:rPr>
               <a:t>Observed the distribution of confirmed cases</a:t>
             </a:r>
-            <a:endParaRPr sz="1200">
+            <a:endParaRPr sz="1400">
               <a:solidFill>
                 <a:srgbClr val="0E101A"/>
               </a:solidFill>
@@ -26555,7 +26581,7 @@
             </a:endParaRPr>
           </a:p>
           <a:p>
-            <a:pPr indent="-304800" lvl="0" marL="457200" rtl="0" algn="l">
+            <a:pPr indent="-317500" lvl="0" marL="457200" rtl="0" algn="l">
               <a:lnSpc>
                 <a:spcPct val="165500"/>
               </a:lnSpc>
@@ -26568,12 +26594,12 @@
               <a:buClr>
                 <a:srgbClr val="0E101A"/>
               </a:buClr>
-              <a:buSzPts val="1200"/>
+              <a:buSzPts val="1400"/>
               <a:buFont typeface="Times New Roman"/>
               <a:buChar char="●"/>
             </a:pPr>
             <a:r>
-              <a:rPr lang="en" sz="1200">
+              <a:rPr lang="en" sz="1400">
                 <a:solidFill>
                   <a:srgbClr val="0E101A"/>
                 </a:solidFill>
@@ -26587,34 +26613,7 @@
               </a:rPr>
               <a:t>Also other bivariate analysis such as determining the degree of relationship between the all three cases instances using relplot was carried out and a regression line was fitted on them</a:t>
             </a:r>
-            <a:endParaRPr sz="1200">
-              <a:solidFill>
-                <a:srgbClr val="0E101A"/>
-              </a:solidFill>
-              <a:highlight>
-                <a:srgbClr val="FFFFFF"/>
-              </a:highlight>
-              <a:latin typeface="Times New Roman"/>
-              <a:ea typeface="Times New Roman"/>
-              <a:cs typeface="Times New Roman"/>
-              <a:sym typeface="Times New Roman"/>
-            </a:endParaRPr>
-          </a:p>
-          <a:p>
-            <a:pPr indent="-304800" lvl="0" marL="457200" rtl="0" algn="l">
-              <a:spcBef>
-                <a:spcPts val="0"/>
-              </a:spcBef>
-              <a:spcAft>
-                <a:spcPts val="0"/>
-              </a:spcAft>
-              <a:buSzPts val="1200"/>
-              <a:buChar char="●"/>
-            </a:pPr>
-            <a:r>
-              <a:t/>
-            </a:r>
-            <a:endParaRPr sz="1200"/>
+            <a:endParaRPr sz="1400"/>
           </a:p>
         </p:txBody>
       </p:sp>
@@ -26660,7 +26659,7 @@
         </p:nvSpPr>
         <p:spPr>
           <a:xfrm>
-            <a:off x="1303800" y="598575"/>
+            <a:off x="1056750" y="145650"/>
             <a:ext cx="7030500" cy="999300"/>
           </a:xfrm>
           <a:prstGeom prst="rect">
@@ -26719,7 +26718,7 @@
         </p:nvSpPr>
         <p:spPr>
           <a:xfrm>
-            <a:off x="1303800" y="1144975"/>
+            <a:off x="929425" y="650525"/>
             <a:ext cx="3430500" cy="3386700"/>
           </a:xfrm>
           <a:prstGeom prst="rect">
@@ -26732,7 +26731,7 @@
           </a:bodyPr>
           <a:lstStyle/>
           <a:p>
-            <a:pPr indent="-304800" lvl="0" marL="457200" rtl="0" algn="l">
+            <a:pPr indent="-317500" lvl="0" marL="457200" rtl="0" algn="l">
               <a:lnSpc>
                 <a:spcPct val="145500"/>
               </a:lnSpc>
@@ -26745,12 +26744,12 @@
               <a:buClr>
                 <a:srgbClr val="0E101A"/>
               </a:buClr>
-              <a:buSzPts val="1200"/>
+              <a:buSzPts val="1400"/>
               <a:buFont typeface="Times New Roman"/>
               <a:buChar char="●"/>
             </a:pPr>
             <a:r>
-              <a:rPr lang="en" sz="1200">
+              <a:rPr lang="en" sz="1400">
                 <a:solidFill>
                   <a:srgbClr val="0E101A"/>
                 </a:solidFill>
@@ -26764,7 +26763,7 @@
               </a:rPr>
               <a:t>There are three subdivisions of the data; the number of confirmed cases, discharged cases and death cases across various countries.</a:t>
             </a:r>
-            <a:endParaRPr sz="1200">
+            <a:endParaRPr sz="1400">
               <a:solidFill>
                 <a:srgbClr val="0E101A"/>
               </a:solidFill>
@@ -26778,7 +26777,7 @@
             </a:endParaRPr>
           </a:p>
           <a:p>
-            <a:pPr indent="-304800" lvl="0" marL="457200" rtl="0" algn="l">
+            <a:pPr indent="-317500" lvl="0" marL="457200" rtl="0" algn="l">
               <a:lnSpc>
                 <a:spcPct val="145500"/>
               </a:lnSpc>
@@ -26791,12 +26790,12 @@
               <a:buClr>
                 <a:srgbClr val="0E101A"/>
               </a:buClr>
-              <a:buSzPts val="1200"/>
+              <a:buSzPts val="1400"/>
               <a:buFont typeface="Times New Roman"/>
               <a:buChar char="●"/>
             </a:pPr>
             <a:r>
-              <a:rPr lang="en" sz="1200">
+              <a:rPr lang="en" sz="1400">
                 <a:solidFill>
                   <a:srgbClr val="0E101A"/>
                 </a:solidFill>
@@ -26808,9 +26807,9 @@
                 <a:cs typeface="Times New Roman"/>
                 <a:sym typeface="Times New Roman"/>
               </a:rPr>
-              <a:t>The data frames were extracted</a:t>
+              <a:t>The data frames were scrapped from the repository</a:t>
             </a:r>
-            <a:endParaRPr sz="1200">
+            <a:endParaRPr sz="1400">
               <a:solidFill>
                 <a:srgbClr val="0E101A"/>
               </a:solidFill>
@@ -26824,7 +26823,7 @@
             </a:endParaRPr>
           </a:p>
           <a:p>
-            <a:pPr indent="-304800" lvl="0" marL="457200" rtl="0" algn="l">
+            <a:pPr indent="-317500" lvl="0" marL="457200" rtl="0" algn="l">
               <a:lnSpc>
                 <a:spcPct val="145500"/>
               </a:lnSpc>
@@ -26837,12 +26836,12 @@
               <a:buClr>
                 <a:srgbClr val="0E101A"/>
               </a:buClr>
-              <a:buSzPts val="1200"/>
+              <a:buSzPts val="1400"/>
               <a:buFont typeface="Times New Roman"/>
               <a:buChar char="●"/>
             </a:pPr>
             <a:r>
-              <a:rPr lang="en" sz="1200">
+              <a:rPr lang="en" sz="1400">
                 <a:solidFill>
                   <a:srgbClr val="0E101A"/>
                 </a:solidFill>
@@ -26856,7 +26855,7 @@
               </a:rPr>
               <a:t>Basic insights derivation form .info(), .describe() and data.head()</a:t>
             </a:r>
-            <a:endParaRPr sz="1200">
+            <a:endParaRPr sz="1400">
               <a:solidFill>
                 <a:srgbClr val="0E101A"/>
               </a:solidFill>
@@ -26870,7 +26869,7 @@
             </a:endParaRPr>
           </a:p>
           <a:p>
-            <a:pPr indent="-304800" lvl="0" marL="457200" rtl="0" algn="l">
+            <a:pPr indent="-317500" lvl="0" marL="457200" rtl="0" algn="l">
               <a:lnSpc>
                 <a:spcPct val="145500"/>
               </a:lnSpc>
@@ -26883,12 +26882,12 @@
               <a:buClr>
                 <a:srgbClr val="0E101A"/>
               </a:buClr>
-              <a:buSzPts val="1200"/>
+              <a:buSzPts val="1400"/>
               <a:buFont typeface="Times New Roman"/>
               <a:buChar char="●"/>
             </a:pPr>
             <a:r>
-              <a:rPr lang="en" sz="1200">
+              <a:rPr lang="en" sz="1400">
                 <a:solidFill>
                   <a:srgbClr val="0E101A"/>
                 </a:solidFill>
@@ -26903,7 +26902,7 @@
               <a:t>Introduced the pd.melt() function to convert all the confirmed, discharged and death date features into one date feature</a:t>
             </a:r>
             <a:r>
-              <a:rPr lang="en" sz="1200">
+              <a:rPr lang="en" sz="1400">
                 <a:solidFill>
                   <a:srgbClr val="0E101A"/>
                 </a:solidFill>
@@ -26918,7 +26917,7 @@
               <a:t> </a:t>
             </a:r>
             <a:r>
-              <a:rPr lang="en" sz="1200">
+              <a:rPr lang="en" sz="1400">
                 <a:solidFill>
                   <a:srgbClr val="0E101A"/>
                 </a:solidFill>
@@ -26932,7 +26931,7 @@
               </a:rPr>
               <a:t>mapping to the case value</a:t>
             </a:r>
-            <a:endParaRPr sz="1200">
+            <a:endParaRPr sz="1400">
               <a:solidFill>
                 <a:srgbClr val="0E101A"/>
               </a:solidFill>
@@ -26946,7 +26945,7 @@
             </a:endParaRPr>
           </a:p>
           <a:p>
-            <a:pPr indent="-305117" lvl="0" marL="457200" rtl="0" algn="l">
+            <a:pPr indent="-317500" lvl="0" marL="457200" rtl="0" algn="l">
               <a:lnSpc>
                 <a:spcPct val="110000"/>
               </a:lnSpc>
@@ -26959,12 +26958,12 @@
               <a:buClr>
                 <a:srgbClr val="0E101A"/>
               </a:buClr>
-              <a:buSzPts val="1205"/>
+              <a:buSzPts val="1400"/>
               <a:buFont typeface="Times New Roman"/>
               <a:buChar char="●"/>
             </a:pPr>
             <a:r>
-              <a:rPr lang="en" sz="1205">
+              <a:rPr lang="en" sz="1400">
                 <a:solidFill>
                   <a:srgbClr val="0E101A"/>
                 </a:solidFill>
@@ -26978,7 +26977,7 @@
               </a:rPr>
               <a:t>Merged the three frames new data frames created from using the pd.melt function</a:t>
             </a:r>
-            <a:endParaRPr sz="1200">
+            <a:endParaRPr sz="1400">
               <a:solidFill>
                 <a:srgbClr val="0E101A"/>
               </a:solidFill>
@@ -27003,7 +27002,7 @@
         </p:nvSpPr>
         <p:spPr>
           <a:xfrm>
-            <a:off x="4903650" y="1144950"/>
+            <a:off x="4903650" y="650525"/>
             <a:ext cx="3430500" cy="3386700"/>
           </a:xfrm>
           <a:prstGeom prst="rect">
@@ -27016,7 +27015,7 @@
           </a:bodyPr>
           <a:lstStyle/>
           <a:p>
-            <a:pPr indent="-305117" lvl="0" marL="457200" rtl="0" algn="l">
+            <a:pPr indent="-317500" lvl="0" marL="457200" rtl="0" algn="l">
               <a:lnSpc>
                 <a:spcPct val="110000"/>
               </a:lnSpc>
@@ -27029,12 +27028,12 @@
               <a:buClr>
                 <a:srgbClr val="0E101A"/>
               </a:buClr>
-              <a:buSzPts val="1205"/>
+              <a:buSzPts val="1400"/>
               <a:buFont typeface="Times New Roman"/>
               <a:buChar char="●"/>
             </a:pPr>
             <a:r>
-              <a:rPr lang="en" sz="1205">
+              <a:rPr lang="en" sz="1400">
                 <a:solidFill>
                   <a:srgbClr val="0E101A"/>
                 </a:solidFill>
@@ -27048,7 +27047,7 @@
               </a:rPr>
               <a:t>Converted the date object to datetime using pd.to_datetime()</a:t>
             </a:r>
-            <a:endParaRPr sz="1205">
+            <a:endParaRPr sz="1400">
               <a:solidFill>
                 <a:srgbClr val="0E101A"/>
               </a:solidFill>
@@ -27062,7 +27061,7 @@
             </a:endParaRPr>
           </a:p>
           <a:p>
-            <a:pPr indent="-305117" lvl="0" marL="457200" rtl="0" algn="l">
+            <a:pPr indent="-317500" lvl="0" marL="457200" rtl="0" algn="l">
               <a:lnSpc>
                 <a:spcPct val="110000"/>
               </a:lnSpc>
@@ -27075,12 +27074,12 @@
               <a:buClr>
                 <a:srgbClr val="0E101A"/>
               </a:buClr>
-              <a:buSzPts val="1205"/>
+              <a:buSzPts val="1400"/>
               <a:buFont typeface="Times New Roman"/>
               <a:buChar char="●"/>
             </a:pPr>
             <a:r>
-              <a:rPr lang="en" sz="1205">
+              <a:rPr lang="en" sz="1400">
                 <a:solidFill>
                   <a:srgbClr val="0E101A"/>
                 </a:solidFill>
@@ -27094,7 +27093,7 @@
               </a:rPr>
               <a:t>Created and added Active cases feature by subtracting the deaths and discharged features from the confirmed features</a:t>
             </a:r>
-            <a:endParaRPr sz="1205">
+            <a:endParaRPr sz="1400">
               <a:solidFill>
                 <a:srgbClr val="0E101A"/>
               </a:solidFill>
@@ -27108,7 +27107,7 @@
             </a:endParaRPr>
           </a:p>
           <a:p>
-            <a:pPr indent="-299720" lvl="0" marL="457200" rtl="0" algn="l">
+            <a:pPr indent="-317500" lvl="0" marL="457200" rtl="0" algn="l">
               <a:lnSpc>
                 <a:spcPct val="110000"/>
               </a:lnSpc>
@@ -27121,12 +27120,12 @@
               <a:buClr>
                 <a:srgbClr val="0E101A"/>
               </a:buClr>
-              <a:buSzPts val="1120"/>
+              <a:buSzPts val="1400"/>
               <a:buFont typeface="Times New Roman"/>
               <a:buChar char="●"/>
             </a:pPr>
             <a:r>
-              <a:rPr lang="en" sz="1120">
+              <a:rPr lang="en" sz="1400">
                 <a:solidFill>
                   <a:srgbClr val="0E101A"/>
                 </a:solidFill>
@@ -27140,7 +27139,7 @@
               </a:rPr>
               <a:t>Extracted Nigeria's data out of all the various countries data</a:t>
             </a:r>
-            <a:endParaRPr sz="1120">
+            <a:endParaRPr sz="1400">
               <a:solidFill>
                 <a:srgbClr val="0E101A"/>
               </a:solidFill>
@@ -27154,7 +27153,7 @@
             </a:endParaRPr>
           </a:p>
           <a:p>
-            <a:pPr indent="-299720" lvl="0" marL="457200" rtl="0" algn="l">
+            <a:pPr indent="-317500" lvl="0" marL="457200" rtl="0" algn="l">
               <a:lnSpc>
                 <a:spcPct val="110000"/>
               </a:lnSpc>
@@ -27167,12 +27166,12 @@
               <a:buClr>
                 <a:srgbClr val="0E101A"/>
               </a:buClr>
-              <a:buSzPts val="1120"/>
+              <a:buSzPts val="1400"/>
               <a:buFont typeface="Times New Roman"/>
               <a:buChar char="●"/>
             </a:pPr>
             <a:r>
-              <a:rPr lang="en" sz="1120">
+              <a:rPr lang="en" sz="1400">
                 <a:solidFill>
                   <a:srgbClr val="0E101A"/>
                 </a:solidFill>
@@ -27186,7 +27185,7 @@
               </a:rPr>
               <a:t>Plotted a line graph of date to all three cases (i.e, confirmed,discharged and deaths) independently.</a:t>
             </a:r>
-            <a:endParaRPr sz="1120">
+            <a:endParaRPr sz="1400">
               <a:solidFill>
                 <a:srgbClr val="0E101A"/>
               </a:solidFill>
@@ -27200,7 +27199,7 @@
             </a:endParaRPr>
           </a:p>
           <a:p>
-            <a:pPr indent="-299720" lvl="0" marL="457200" rtl="0" algn="l">
+            <a:pPr indent="-317500" lvl="0" marL="457200" rtl="0" algn="l">
               <a:lnSpc>
                 <a:spcPct val="110000"/>
               </a:lnSpc>
@@ -27213,12 +27212,12 @@
               <a:buClr>
                 <a:srgbClr val="0E101A"/>
               </a:buClr>
-              <a:buSzPts val="1120"/>
+              <a:buSzPts val="1400"/>
               <a:buFont typeface="Times New Roman"/>
               <a:buChar char="●"/>
             </a:pPr>
             <a:r>
-              <a:rPr lang="en" sz="1120">
+              <a:rPr lang="en" sz="1400">
                 <a:solidFill>
                   <a:srgbClr val="0E101A"/>
                 </a:solidFill>
@@ -27232,7 +27231,7 @@
               </a:rPr>
               <a:t>Created and added infection rate feature using the diff() function on the confirmed cases</a:t>
             </a:r>
-            <a:endParaRPr sz="1120">
+            <a:endParaRPr sz="1400">
               <a:solidFill>
                 <a:srgbClr val="0E101A"/>
               </a:solidFill>
@@ -27246,7 +27245,7 @@
             </a:endParaRPr>
           </a:p>
           <a:p>
-            <a:pPr indent="-299720" lvl="0" marL="457200" rtl="0" algn="l">
+            <a:pPr indent="-317500" lvl="0" marL="457200" rtl="0" algn="l">
               <a:lnSpc>
                 <a:spcPct val="110000"/>
               </a:lnSpc>
@@ -27259,12 +27258,12 @@
               <a:buClr>
                 <a:srgbClr val="0E101A"/>
               </a:buClr>
-              <a:buSzPts val="1120"/>
+              <a:buSzPts val="1400"/>
               <a:buFont typeface="Times New Roman"/>
               <a:buChar char="●"/>
             </a:pPr>
             <a:r>
-              <a:rPr lang="en" sz="1120">
+              <a:rPr lang="en" sz="1400">
                 <a:solidFill>
                   <a:srgbClr val="0E101A"/>
                 </a:solidFill>
@@ -27278,7 +27277,7 @@
               </a:rPr>
               <a:t>Plotted date to infection rate for trend identification and to identify area of spikes and drops</a:t>
             </a:r>
-            <a:endParaRPr sz="1120">
+            <a:endParaRPr sz="1400">
               <a:solidFill>
                 <a:srgbClr val="0E101A"/>
               </a:solidFill>
@@ -27292,7 +27291,7 @@
             </a:endParaRPr>
           </a:p>
           <a:p>
-            <a:pPr indent="-299720" lvl="0" marL="457200" rtl="0" algn="l">
+            <a:pPr indent="-317500" lvl="0" marL="457200" rtl="0" algn="l">
               <a:lnSpc>
                 <a:spcPct val="110000"/>
               </a:lnSpc>
@@ -27305,12 +27304,12 @@
               <a:buClr>
                 <a:srgbClr val="0E101A"/>
               </a:buClr>
-              <a:buSzPts val="1120"/>
+              <a:buSzPts val="1400"/>
               <a:buFont typeface="Times New Roman"/>
               <a:buChar char="●"/>
             </a:pPr>
             <a:r>
-              <a:rPr lang="en" sz="1120">
+              <a:rPr lang="en" sz="1400">
                 <a:solidFill>
                   <a:srgbClr val="0E101A"/>
                 </a:solidFill>
@@ -27324,7 +27323,7 @@
               </a:rPr>
               <a:t>Used pandas masking operation to get date with maximum infection rate</a:t>
             </a:r>
-            <a:endParaRPr sz="1205"/>
+            <a:endParaRPr sz="1400"/>
           </a:p>
         </p:txBody>
       </p:sp>
@@ -27363,7 +27362,7 @@
         </p:nvSpPr>
         <p:spPr>
           <a:xfrm>
-            <a:off x="824000" y="432446"/>
+            <a:off x="531025" y="204546"/>
             <a:ext cx="7722000" cy="831600"/>
           </a:xfrm>
           <a:prstGeom prst="rect">
@@ -27417,7 +27416,7 @@
         </p:nvSpPr>
         <p:spPr>
           <a:xfrm>
-            <a:off x="918325" y="1198475"/>
+            <a:off x="675325" y="889225"/>
             <a:ext cx="7433400" cy="3753600"/>
           </a:xfrm>
           <a:prstGeom prst="rect">
@@ -27444,7 +27443,7 @@
               <a:buNone/>
             </a:pPr>
             <a:r>
-              <a:rPr lang="en" sz="1240">
+              <a:rPr lang="en" sz="1400">
                 <a:solidFill>
                   <a:srgbClr val="0E101A"/>
                 </a:solidFill>
@@ -27459,7 +27458,7 @@
               <a:t>The external data helps us perform analysis to the end that insights as regarding the impact of covid-19 on various</a:t>
             </a:r>
             <a:r>
-              <a:rPr lang="en" sz="1240">
+              <a:rPr lang="en" sz="1400">
                 <a:solidFill>
                   <a:srgbClr val="0E101A"/>
                 </a:solidFill>
@@ -27474,7 +27473,7 @@
               <a:t> </a:t>
             </a:r>
             <a:r>
-              <a:rPr lang="en" sz="1240">
+              <a:rPr lang="en" sz="1400">
                 <a:solidFill>
                   <a:srgbClr val="0E101A"/>
                 </a:solidFill>
@@ -27488,7 +27487,7 @@
               </a:rPr>
               <a:t>aspects of the country such as the GDP, Indexes, Budget data.</a:t>
             </a:r>
-            <a:endParaRPr sz="1240">
+            <a:endParaRPr sz="1400">
               <a:solidFill>
                 <a:srgbClr val="0E101A"/>
               </a:solidFill>
@@ -27516,7 +27515,7 @@
               <a:buNone/>
             </a:pPr>
             <a:r>
-              <a:rPr b="1" lang="en" sz="1240" u="sng">
+              <a:rPr b="1" lang="en" sz="1400" u="sng">
                 <a:solidFill>
                   <a:srgbClr val="0E101A"/>
                 </a:solidFill>
@@ -27530,7 +27529,7 @@
               </a:rPr>
               <a:t>Index Analysis</a:t>
             </a:r>
-            <a:endParaRPr b="1" sz="1240" u="sng">
+            <a:endParaRPr b="1" sz="1400" u="sng">
               <a:solidFill>
                 <a:srgbClr val="0E101A"/>
               </a:solidFill>
@@ -27544,7 +27543,7 @@
             </a:endParaRPr>
           </a:p>
           <a:p>
-            <a:pPr indent="-307340" lvl="0" marL="457200" rtl="0" algn="l">
+            <a:pPr indent="-317500" lvl="0" marL="457200" rtl="0" algn="l">
               <a:lnSpc>
                 <a:spcPct val="145500"/>
               </a:lnSpc>
@@ -27557,12 +27556,12 @@
               <a:buClr>
                 <a:srgbClr val="0E101A"/>
               </a:buClr>
-              <a:buSzPts val="1240"/>
+              <a:buSzPts val="1400"/>
               <a:buFont typeface="Times New Roman"/>
               <a:buChar char="●"/>
             </a:pPr>
             <a:r>
-              <a:rPr lang="en" sz="1240">
+              <a:rPr lang="en" sz="1400">
                 <a:solidFill>
                   <a:srgbClr val="0E101A"/>
                 </a:solidFill>
@@ -27576,7 +27575,7 @@
               </a:rPr>
               <a:t>Basic insights derivation form .info(), .describe() were performed</a:t>
             </a:r>
-            <a:endParaRPr sz="1240">
+            <a:endParaRPr sz="1400">
               <a:solidFill>
                 <a:srgbClr val="0E101A"/>
               </a:solidFill>
@@ -27590,7 +27589,7 @@
             </a:endParaRPr>
           </a:p>
           <a:p>
-            <a:pPr indent="-330200" lvl="0" marL="457200" rtl="0" algn="l">
+            <a:pPr indent="-317500" lvl="0" marL="457200" rtl="0" algn="l">
               <a:lnSpc>
                 <a:spcPct val="145500"/>
               </a:lnSpc>
@@ -27600,11 +27599,11 @@
               <a:spcAft>
                 <a:spcPts val="0"/>
               </a:spcAft>
-              <a:buSzPts val="1600"/>
+              <a:buSzPts val="1400"/>
               <a:buChar char="●"/>
             </a:pPr>
             <a:r>
-              <a:rPr lang="en" sz="1240">
+              <a:rPr lang="en" sz="1400">
                 <a:solidFill>
                   <a:srgbClr val="0E101A"/>
                 </a:solidFill>
@@ -27619,7 +27618,7 @@
               <a:t>The index data was grouped by region to estimate the average index across different geopolitical zones in Nigeria. The </a:t>
             </a:r>
             <a:r>
-              <a:rPr b="1" lang="en" sz="1240">
+              <a:rPr b="1" lang="en" sz="1400">
                 <a:solidFill>
                   <a:srgbClr val="0E101A"/>
                 </a:solidFill>
@@ -27634,7 +27633,7 @@
               <a:t>groupby() </a:t>
             </a:r>
             <a:r>
-              <a:rPr lang="en" sz="1240">
+              <a:rPr lang="en" sz="1400">
                 <a:solidFill>
                   <a:srgbClr val="0E101A"/>
                 </a:solidFill>
@@ -27649,7 +27648,7 @@
               <a:t>function was used to perform this operation</a:t>
             </a:r>
             <a:r>
-              <a:rPr lang="en" sz="1170">
+              <a:rPr lang="en" sz="1400">
                 <a:solidFill>
                   <a:srgbClr val="000000"/>
                 </a:solidFill>
@@ -27663,7 +27662,7 @@
               </a:rPr>
               <a:t> </a:t>
             </a:r>
-            <a:endParaRPr sz="1170">
+            <a:endParaRPr sz="1400">
               <a:solidFill>
                 <a:srgbClr val="000000"/>
               </a:solidFill>
@@ -27677,7 +27676,7 @@
             </a:endParaRPr>
           </a:p>
           <a:p>
-            <a:pPr indent="-307340" lvl="0" marL="457200" rtl="0" algn="l">
+            <a:pPr indent="-317500" lvl="0" marL="457200" rtl="0" algn="l">
               <a:lnSpc>
                 <a:spcPct val="145500"/>
               </a:lnSpc>
@@ -27690,12 +27689,12 @@
               <a:buClr>
                 <a:srgbClr val="0E101A"/>
               </a:buClr>
-              <a:buSzPts val="1240"/>
+              <a:buSzPts val="1400"/>
               <a:buFont typeface="Times New Roman"/>
               <a:buChar char="●"/>
             </a:pPr>
             <a:r>
-              <a:rPr lang="en" sz="1240">
+              <a:rPr lang="en" sz="1400">
                 <a:solidFill>
                   <a:srgbClr val="0E101A"/>
                 </a:solidFill>
@@ -27710,7 +27709,7 @@
               <a:t>In other to arrive have larger data block to extract insight pd.merge() was used to combine the </a:t>
             </a:r>
             <a:r>
-              <a:rPr b="1" lang="en" sz="1240">
+              <a:rPr b="1" lang="en" sz="1400">
                 <a:solidFill>
                   <a:srgbClr val="0E101A"/>
                 </a:solidFill>
@@ -27725,7 +27724,7 @@
               <a:t>NCDC</a:t>
             </a:r>
             <a:r>
-              <a:rPr lang="en" sz="1240">
+              <a:rPr lang="en" sz="1400">
                 <a:solidFill>
                   <a:srgbClr val="0E101A"/>
                 </a:solidFill>
@@ -27740,7 +27739,7 @@
               <a:t> dataframe and the </a:t>
             </a:r>
             <a:r>
-              <a:rPr b="1" lang="en" sz="1240">
+              <a:rPr b="1" lang="en" sz="1400">
                 <a:solidFill>
                   <a:srgbClr val="0E101A"/>
                 </a:solidFill>
@@ -27755,7 +27754,7 @@
               <a:t>Index</a:t>
             </a:r>
             <a:r>
-              <a:rPr lang="en" sz="1240">
+              <a:rPr lang="en" sz="1400">
                 <a:solidFill>
                   <a:srgbClr val="0E101A"/>
                 </a:solidFill>
@@ -27769,7 +27768,7 @@
               </a:rPr>
               <a:t> dataframe</a:t>
             </a:r>
-            <a:endParaRPr sz="1240">
+            <a:endParaRPr sz="1400">
               <a:solidFill>
                 <a:srgbClr val="0E101A"/>
               </a:solidFill>
@@ -27783,7 +27782,7 @@
             </a:endParaRPr>
           </a:p>
           <a:p>
-            <a:pPr indent="-307340" lvl="0" marL="457200" rtl="0" algn="l">
+            <a:pPr indent="-317500" lvl="0" marL="457200" rtl="0" algn="l">
               <a:lnSpc>
                 <a:spcPct val="145500"/>
               </a:lnSpc>
@@ -27796,12 +27795,12 @@
               <a:buClr>
                 <a:srgbClr val="0E101A"/>
               </a:buClr>
-              <a:buSzPts val="1240"/>
+              <a:buSzPts val="1400"/>
               <a:buFont typeface="Times New Roman"/>
               <a:buChar char="●"/>
             </a:pPr>
             <a:r>
-              <a:rPr lang="en" sz="1240">
+              <a:rPr lang="en" sz="1400">
                 <a:solidFill>
                   <a:srgbClr val="0E101A"/>
                 </a:solidFill>
@@ -27815,7 +27814,7 @@
               </a:rPr>
               <a:t>Insights on different indexes and how they affected each zone were determined</a:t>
             </a:r>
-            <a:endParaRPr sz="1240">
+            <a:endParaRPr sz="1400">
               <a:solidFill>
                 <a:srgbClr val="0E101A"/>
               </a:solidFill>
@@ -27829,7 +27828,7 @@
             </a:endParaRPr>
           </a:p>
           <a:p>
-            <a:pPr indent="-307340" lvl="0" marL="457200" rtl="0" algn="l">
+            <a:pPr indent="-317500" lvl="0" marL="457200" rtl="0" algn="l">
               <a:lnSpc>
                 <a:spcPct val="145500"/>
               </a:lnSpc>
@@ -27842,12 +27841,12 @@
               <a:buClr>
                 <a:srgbClr val="0E101A"/>
               </a:buClr>
-              <a:buSzPts val="1240"/>
+              <a:buSzPts val="1400"/>
               <a:buFont typeface="Times New Roman"/>
               <a:buChar char="●"/>
             </a:pPr>
             <a:r>
-              <a:rPr lang="en" sz="1240">
+              <a:rPr lang="en" sz="1400">
                 <a:solidFill>
                   <a:srgbClr val="0E101A"/>
                 </a:solidFill>
@@ -27861,7 +27860,7 @@
               </a:rPr>
               <a:t>Correlation analysis using scatterplot was performed</a:t>
             </a:r>
-            <a:endParaRPr sz="1240">
+            <a:endParaRPr sz="1400">
               <a:solidFill>
                 <a:srgbClr val="0E101A"/>
               </a:solidFill>
@@ -27875,7 +27874,7 @@
             </a:endParaRPr>
           </a:p>
           <a:p>
-            <a:pPr indent="-307340" lvl="0" marL="457200" rtl="0" algn="l">
+            <a:pPr indent="-317500" lvl="0" marL="457200" rtl="0" algn="l">
               <a:lnSpc>
                 <a:spcPct val="145500"/>
               </a:lnSpc>
@@ -27888,12 +27887,12 @@
               <a:buClr>
                 <a:srgbClr val="0E101A"/>
               </a:buClr>
-              <a:buSzPts val="1240"/>
+              <a:buSzPts val="1400"/>
               <a:buFont typeface="Times New Roman"/>
               <a:buChar char="●"/>
             </a:pPr>
             <a:r>
-              <a:rPr lang="en" sz="1240">
+              <a:rPr lang="en" sz="1400">
                 <a:solidFill>
                   <a:srgbClr val="0E101A"/>
                 </a:solidFill>
@@ -27907,7 +27906,7 @@
               </a:rPr>
               <a:t>Used nlargest function to get top 10 confirmed, discharged and deaths cases</a:t>
             </a:r>
-            <a:endParaRPr sz="1240">
+            <a:endParaRPr sz="1400">
               <a:solidFill>
                 <a:srgbClr val="0E101A"/>
               </a:solidFill>
@@ -27921,7 +27920,7 @@
             </a:endParaRPr>
           </a:p>
           <a:p>
-            <a:pPr indent="-307340" lvl="0" marL="457200" rtl="0" algn="l">
+            <a:pPr indent="-317500" lvl="0" marL="457200" rtl="0" algn="l">
               <a:lnSpc>
                 <a:spcPct val="145500"/>
               </a:lnSpc>
@@ -27934,12 +27933,12 @@
               <a:buClr>
                 <a:srgbClr val="0E101A"/>
               </a:buClr>
-              <a:buSzPts val="1240"/>
+              <a:buSzPts val="1400"/>
               <a:buFont typeface="Times New Roman"/>
               <a:buChar char="●"/>
             </a:pPr>
             <a:r>
-              <a:rPr lang="en" sz="1240">
+              <a:rPr lang="en" sz="1400">
                 <a:solidFill>
                   <a:srgbClr val="0E101A"/>
                 </a:solidFill>
@@ -27953,7 +27952,7 @@
               </a:rPr>
               <a:t>Plotted cases of top 10 CCVI index and population density</a:t>
             </a:r>
-            <a:endParaRPr sz="1240">
+            <a:endParaRPr sz="1400">
               <a:solidFill>
                 <a:srgbClr val="0E101A"/>
               </a:solidFill>
@@ -27967,7 +27966,7 @@
             </a:endParaRPr>
           </a:p>
           <a:p>
-            <a:pPr indent="-307340" lvl="0" marL="457200" rtl="0" algn="l">
+            <a:pPr indent="-317500" lvl="0" marL="457200" rtl="0" algn="l">
               <a:lnSpc>
                 <a:spcPct val="145500"/>
               </a:lnSpc>
@@ -27980,12 +27979,12 @@
               <a:buClr>
                 <a:srgbClr val="0E101A"/>
               </a:buClr>
-              <a:buSzPts val="1240"/>
+              <a:buSzPts val="1400"/>
               <a:buFont typeface="Times New Roman"/>
               <a:buChar char="●"/>
             </a:pPr>
             <a:r>
-              <a:rPr lang="en" sz="1240">
+              <a:rPr lang="en" sz="1400">
                 <a:solidFill>
                   <a:srgbClr val="0E101A"/>
                 </a:solidFill>
@@ -27999,7 +27998,7 @@
               </a:rPr>
               <a:t>Scatter plot of deaths and epidemiology index and fit a regression line on it</a:t>
             </a:r>
-            <a:endParaRPr sz="1240">
+            <a:endParaRPr sz="1400">
               <a:solidFill>
                 <a:srgbClr val="0E101A"/>
               </a:solidFill>
@@ -28029,7 +28028,7 @@
             <a:r>
               <a:t/>
             </a:r>
-            <a:endParaRPr sz="1240">
+            <a:endParaRPr sz="1400">
               <a:solidFill>
                 <a:srgbClr val="0E101A"/>
               </a:solidFill>
@@ -28059,7 +28058,7 @@
             <a:r>
               <a:t/>
             </a:r>
-            <a:endParaRPr sz="1520"/>
+            <a:endParaRPr sz="1400"/>
           </a:p>
         </p:txBody>
       </p:sp>
